--- a/docs/docs_I_made/slides/soutenance.pptx
+++ b/docs/docs_I_made/slides/soutenance.pptx
@@ -84,7 +84,7 @@
         <p:txBody>
           <a:bodyPr/>
           <a:p>
-            <a:fld id="{69F48DD7-5D56-494E-BFF6-282D70E62F7C}" type="slidenum">
+            <a:fld id="{BB3D77AB-2659-4C4D-9797-5571C9D220B1}" type="slidenum">
               <a:t>&lt;#&gt;</a:t>
             </a:fld>
           </a:p>
@@ -146,7 +146,7 @@
         <p:spPr>
           <a:xfrm>
             <a:off x="677160" y="609480"/>
-            <a:ext cx="8595720" cy="1319760"/>
+            <a:ext cx="8595000" cy="1319040"/>
           </a:xfrm>
           <a:prstGeom prst="rect">
             <a:avLst/>
@@ -272,7 +272,7 @@
         <p:txBody>
           <a:bodyPr/>
           <a:p>
-            <a:fld id="{D7C87D75-90E4-4ED0-AF7B-A8ABEFBB2562}" type="slidenum">
+            <a:fld id="{B8FBEA52-4E8E-4FF4-8345-8A8075F6BB30}" type="slidenum">
               <a:t>&lt;#&gt;</a:t>
             </a:fld>
           </a:p>
@@ -334,7 +334,7 @@
         <p:spPr>
           <a:xfrm>
             <a:off x="677160" y="609480"/>
-            <a:ext cx="8595720" cy="1319760"/>
+            <a:ext cx="8595000" cy="1319040"/>
           </a:xfrm>
           <a:prstGeom prst="rect">
             <a:avLst/>
@@ -528,7 +528,7 @@
         <p:txBody>
           <a:bodyPr/>
           <a:p>
-            <a:fld id="{779E8FFA-FAF1-4CF8-BC8A-51A293C306C4}" type="slidenum">
+            <a:fld id="{4E97652E-D563-4BB9-9BCA-E8EE1515E3CD}" type="slidenum">
               <a:t>&lt;#&gt;</a:t>
             </a:fld>
           </a:p>
@@ -590,7 +590,7 @@
         <p:spPr>
           <a:xfrm>
             <a:off x="677160" y="609480"/>
-            <a:ext cx="8595720" cy="1319760"/>
+            <a:ext cx="8595000" cy="1319040"/>
           </a:xfrm>
           <a:prstGeom prst="rect">
             <a:avLst/>
@@ -852,7 +852,7 @@
         <p:txBody>
           <a:bodyPr/>
           <a:p>
-            <a:fld id="{507452B3-68A4-4AF7-9E9A-B373EF3AC299}" type="slidenum">
+            <a:fld id="{AF380C45-9E0A-41A1-AD23-8A668B23C2FC}" type="slidenum">
               <a:t>&lt;#&gt;</a:t>
             </a:fld>
           </a:p>
@@ -935,7 +935,7 @@
         <p:txBody>
           <a:bodyPr/>
           <a:p>
-            <a:fld id="{8096F8D0-4D74-4DE9-81E5-E31E4F407F30}" type="slidenum">
+            <a:fld id="{46E40F66-78BE-4696-8175-EE2AE519F4BD}" type="slidenum">
               <a:t>&lt;#&gt;</a:t>
             </a:fld>
           </a:p>
@@ -997,7 +997,7 @@
         <p:spPr>
           <a:xfrm>
             <a:off x="677160" y="609480"/>
-            <a:ext cx="8595720" cy="1319760"/>
+            <a:ext cx="8595000" cy="1319040"/>
           </a:xfrm>
           <a:prstGeom prst="rect">
             <a:avLst/>
@@ -1092,7 +1092,7 @@
         <p:txBody>
           <a:bodyPr/>
           <a:p>
-            <a:fld id="{0BE7FAD3-11AA-4E8F-A1FC-BE3A66F4BC78}" type="slidenum">
+            <a:fld id="{9845E668-40DC-4994-8A06-F877A3CEB1AE}" type="slidenum">
               <a:t>&lt;#&gt;</a:t>
             </a:fld>
           </a:p>
@@ -1154,7 +1154,7 @@
         <p:spPr>
           <a:xfrm>
             <a:off x="677160" y="609480"/>
-            <a:ext cx="8595720" cy="1319760"/>
+            <a:ext cx="8595000" cy="1319040"/>
           </a:xfrm>
           <a:prstGeom prst="rect">
             <a:avLst/>
@@ -1246,7 +1246,7 @@
         <p:txBody>
           <a:bodyPr/>
           <a:p>
-            <a:fld id="{A0A13381-7770-4A33-87E9-944FB80CA826}" type="slidenum">
+            <a:fld id="{0751F9CA-B840-4DD4-B7E9-89F98D46955B}" type="slidenum">
               <a:t>&lt;#&gt;</a:t>
             </a:fld>
           </a:p>
@@ -1308,7 +1308,7 @@
         <p:spPr>
           <a:xfrm>
             <a:off x="677160" y="609480"/>
-            <a:ext cx="8595720" cy="1319760"/>
+            <a:ext cx="8595000" cy="1319040"/>
           </a:xfrm>
           <a:prstGeom prst="rect">
             <a:avLst/>
@@ -1434,7 +1434,7 @@
         <p:txBody>
           <a:bodyPr/>
           <a:p>
-            <a:fld id="{7BE8D073-4310-48D4-9636-5A3B6EEF80AE}" type="slidenum">
+            <a:fld id="{96570471-E5D2-434C-9F77-95CABEBEC884}" type="slidenum">
               <a:t>&lt;#&gt;</a:t>
             </a:fld>
           </a:p>
@@ -1496,7 +1496,7 @@
         <p:spPr>
           <a:xfrm>
             <a:off x="677160" y="609480"/>
-            <a:ext cx="8595720" cy="1319760"/>
+            <a:ext cx="8595000" cy="1319040"/>
           </a:xfrm>
           <a:prstGeom prst="rect">
             <a:avLst/>
@@ -1554,7 +1554,7 @@
         <p:txBody>
           <a:bodyPr/>
           <a:p>
-            <a:fld id="{CBF27A8C-F79B-40FF-95F8-8D489DF3017D}" type="slidenum">
+            <a:fld id="{1233DCB1-64BA-4F2E-9AE3-2C1FAFF0B97F}" type="slidenum">
               <a:t>&lt;#&gt;</a:t>
             </a:fld>
           </a:p>
@@ -1616,7 +1616,7 @@
         <p:spPr>
           <a:xfrm>
             <a:off x="677160" y="609480"/>
-            <a:ext cx="8595720" cy="6118920"/>
+            <a:ext cx="8595000" cy="6115680"/>
           </a:xfrm>
           <a:prstGeom prst="rect">
             <a:avLst/>
@@ -1674,7 +1674,7 @@
         <p:txBody>
           <a:bodyPr/>
           <a:p>
-            <a:fld id="{5937E10C-791E-40DD-85FD-8ADB87877939}" type="slidenum">
+            <a:fld id="{6AF4E412-23ED-4D46-91BE-D4661868C4CC}" type="slidenum">
               <a:t>&lt;#&gt;</a:t>
             </a:fld>
           </a:p>
@@ -1736,7 +1736,7 @@
         <p:spPr>
           <a:xfrm>
             <a:off x="677160" y="609480"/>
-            <a:ext cx="8595720" cy="1319760"/>
+            <a:ext cx="8595000" cy="1319040"/>
           </a:xfrm>
           <a:prstGeom prst="rect">
             <a:avLst/>
@@ -1896,7 +1896,7 @@
         <p:txBody>
           <a:bodyPr/>
           <a:p>
-            <a:fld id="{E8A36D0A-A356-4ADE-8DA7-713D82C525A0}" type="slidenum">
+            <a:fld id="{1D5FDBA3-DDDC-41DC-89A0-9F044064DD34}" type="slidenum">
               <a:t>&lt;#&gt;</a:t>
             </a:fld>
           </a:p>
@@ -1958,7 +1958,7 @@
         <p:spPr>
           <a:xfrm>
             <a:off x="677160" y="609480"/>
-            <a:ext cx="8595720" cy="1319760"/>
+            <a:ext cx="8595000" cy="1319040"/>
           </a:xfrm>
           <a:prstGeom prst="rect">
             <a:avLst/>
@@ -2053,7 +2053,7 @@
         <p:txBody>
           <a:bodyPr/>
           <a:p>
-            <a:fld id="{534C04F7-2528-49D5-9382-1BA31FEA2F5C}" type="slidenum">
+            <a:fld id="{B1119A4B-4E00-4EFD-8601-D32C253B36EC}" type="slidenum">
               <a:t>&lt;#&gt;</a:t>
             </a:fld>
           </a:p>
@@ -2115,7 +2115,7 @@
         <p:spPr>
           <a:xfrm>
             <a:off x="677160" y="609480"/>
-            <a:ext cx="8595720" cy="1319760"/>
+            <a:ext cx="8595000" cy="1319040"/>
           </a:xfrm>
           <a:prstGeom prst="rect">
             <a:avLst/>
@@ -2275,7 +2275,7 @@
         <p:txBody>
           <a:bodyPr/>
           <a:p>
-            <a:fld id="{B389B627-8504-405B-BE0C-81297BAB46D2}" type="slidenum">
+            <a:fld id="{EA361FF8-B278-44EE-A11A-9F0BFF21720A}" type="slidenum">
               <a:t>&lt;#&gt;</a:t>
             </a:fld>
           </a:p>
@@ -2337,7 +2337,7 @@
         <p:spPr>
           <a:xfrm>
             <a:off x="677160" y="609480"/>
-            <a:ext cx="8595720" cy="1319760"/>
+            <a:ext cx="8595000" cy="1319040"/>
           </a:xfrm>
           <a:prstGeom prst="rect">
             <a:avLst/>
@@ -2497,7 +2497,7 @@
         <p:txBody>
           <a:bodyPr/>
           <a:p>
-            <a:fld id="{CE83BE4F-E2E5-48F5-9F04-0514201DAF7D}" type="slidenum">
+            <a:fld id="{4C917B16-BD98-4FE6-8CCA-E2A0F3104258}" type="slidenum">
               <a:t>&lt;#&gt;</a:t>
             </a:fld>
           </a:p>
@@ -2559,7 +2559,7 @@
         <p:spPr>
           <a:xfrm>
             <a:off x="677160" y="609480"/>
-            <a:ext cx="8595720" cy="1319760"/>
+            <a:ext cx="8595000" cy="1319040"/>
           </a:xfrm>
           <a:prstGeom prst="rect">
             <a:avLst/>
@@ -2685,7 +2685,7 @@
         <p:txBody>
           <a:bodyPr/>
           <a:p>
-            <a:fld id="{764BB4BF-30E6-404D-8290-603172BFD1AA}" type="slidenum">
+            <a:fld id="{CB6E6033-20D0-4AFF-991E-829BC3435CCF}" type="slidenum">
               <a:t>&lt;#&gt;</a:t>
             </a:fld>
           </a:p>
@@ -2747,7 +2747,7 @@
         <p:spPr>
           <a:xfrm>
             <a:off x="677160" y="609480"/>
-            <a:ext cx="8595720" cy="1319760"/>
+            <a:ext cx="8595000" cy="1319040"/>
           </a:xfrm>
           <a:prstGeom prst="rect">
             <a:avLst/>
@@ -2941,7 +2941,7 @@
         <p:txBody>
           <a:bodyPr/>
           <a:p>
-            <a:fld id="{CDFA4D94-FD2A-4EEB-B973-FF21B682B42C}" type="slidenum">
+            <a:fld id="{5A3D4C6E-3401-4C03-9820-817E29166D1B}" type="slidenum">
               <a:t>&lt;#&gt;</a:t>
             </a:fld>
           </a:p>
@@ -3003,7 +3003,7 @@
         <p:spPr>
           <a:xfrm>
             <a:off x="677160" y="609480"/>
-            <a:ext cx="8595720" cy="1319760"/>
+            <a:ext cx="8595000" cy="1319040"/>
           </a:xfrm>
           <a:prstGeom prst="rect">
             <a:avLst/>
@@ -3265,7 +3265,7 @@
         <p:txBody>
           <a:bodyPr/>
           <a:p>
-            <a:fld id="{DE8981FA-2384-4267-A073-F29D81D6ED16}" type="slidenum">
+            <a:fld id="{85C9816D-DA0A-4EB5-A030-00A71BCEE003}" type="slidenum">
               <a:t>&lt;#&gt;</a:t>
             </a:fld>
           </a:p>
@@ -3348,7 +3348,7 @@
         <p:txBody>
           <a:bodyPr/>
           <a:p>
-            <a:fld id="{F8C04A61-C749-447F-8B2B-86730A83FBEA}" type="slidenum">
+            <a:fld id="{FE28A496-09D5-4192-9278-69FA3B9641F2}" type="slidenum">
               <a:t>&lt;#&gt;</a:t>
             </a:fld>
           </a:p>
@@ -3410,7 +3410,7 @@
         <p:spPr>
           <a:xfrm>
             <a:off x="677160" y="609480"/>
-            <a:ext cx="8595720" cy="1319760"/>
+            <a:ext cx="8595000" cy="1319040"/>
           </a:xfrm>
           <a:prstGeom prst="rect">
             <a:avLst/>
@@ -3505,7 +3505,7 @@
         <p:txBody>
           <a:bodyPr/>
           <a:p>
-            <a:fld id="{3044A6C9-7896-48E9-813B-CAC039EC7899}" type="slidenum">
+            <a:fld id="{16F4ABE3-FDFD-41FB-9E9B-1AEA711D0C58}" type="slidenum">
               <a:t>&lt;#&gt;</a:t>
             </a:fld>
           </a:p>
@@ -3567,7 +3567,7 @@
         <p:spPr>
           <a:xfrm>
             <a:off x="677160" y="609480"/>
-            <a:ext cx="8595720" cy="1319760"/>
+            <a:ext cx="8595000" cy="1319040"/>
           </a:xfrm>
           <a:prstGeom prst="rect">
             <a:avLst/>
@@ -3659,7 +3659,7 @@
         <p:txBody>
           <a:bodyPr/>
           <a:p>
-            <a:fld id="{724585E3-92B1-42CC-AD20-F999297EB39D}" type="slidenum">
+            <a:fld id="{874F8445-AAD0-4458-8663-CB5A660899E3}" type="slidenum">
               <a:t>&lt;#&gt;</a:t>
             </a:fld>
           </a:p>
@@ -3721,7 +3721,7 @@
         <p:spPr>
           <a:xfrm>
             <a:off x="677160" y="609480"/>
-            <a:ext cx="8595720" cy="1319760"/>
+            <a:ext cx="8595000" cy="1319040"/>
           </a:xfrm>
           <a:prstGeom prst="rect">
             <a:avLst/>
@@ -3847,7 +3847,7 @@
         <p:txBody>
           <a:bodyPr/>
           <a:p>
-            <a:fld id="{BA5E8537-F352-403D-88AD-87B14A9AE972}" type="slidenum">
+            <a:fld id="{9E91E541-D34E-471E-80E0-3CE6F0570FBA}" type="slidenum">
               <a:t>&lt;#&gt;</a:t>
             </a:fld>
           </a:p>
@@ -3909,7 +3909,7 @@
         <p:spPr>
           <a:xfrm>
             <a:off x="677160" y="609480"/>
-            <a:ext cx="8595720" cy="1319760"/>
+            <a:ext cx="8595000" cy="1319040"/>
           </a:xfrm>
           <a:prstGeom prst="rect">
             <a:avLst/>
@@ -3967,7 +3967,7 @@
         <p:txBody>
           <a:bodyPr/>
           <a:p>
-            <a:fld id="{87A19E97-9CDE-4020-AD9F-DDF569E7E5C6}" type="slidenum">
+            <a:fld id="{357AA296-544D-4545-A716-E63EF13C36DD}" type="slidenum">
               <a:t>&lt;#&gt;</a:t>
             </a:fld>
           </a:p>
@@ -4029,7 +4029,7 @@
         <p:spPr>
           <a:xfrm>
             <a:off x="677160" y="609480"/>
-            <a:ext cx="8595720" cy="1319760"/>
+            <a:ext cx="8595000" cy="1319040"/>
           </a:xfrm>
           <a:prstGeom prst="rect">
             <a:avLst/>
@@ -4121,7 +4121,7 @@
         <p:txBody>
           <a:bodyPr/>
           <a:p>
-            <a:fld id="{456AE3FC-42E3-40FC-9A15-A39835CADE9A}" type="slidenum">
+            <a:fld id="{D29A7D71-2875-4D46-948F-035DB0F11AD7}" type="slidenum">
               <a:t>&lt;#&gt;</a:t>
             </a:fld>
           </a:p>
@@ -4183,7 +4183,7 @@
         <p:spPr>
           <a:xfrm>
             <a:off x="677160" y="609480"/>
-            <a:ext cx="8595720" cy="6118920"/>
+            <a:ext cx="8595000" cy="6115680"/>
           </a:xfrm>
           <a:prstGeom prst="rect">
             <a:avLst/>
@@ -4241,7 +4241,7 @@
         <p:txBody>
           <a:bodyPr/>
           <a:p>
-            <a:fld id="{4B69AA19-D0B9-4C3A-93F5-5F0BD3BE300F}" type="slidenum">
+            <a:fld id="{DC54902E-0840-4277-BD5C-F09A8365C263}" type="slidenum">
               <a:t>&lt;#&gt;</a:t>
             </a:fld>
           </a:p>
@@ -4303,7 +4303,7 @@
         <p:spPr>
           <a:xfrm>
             <a:off x="677160" y="609480"/>
-            <a:ext cx="8595720" cy="1319760"/>
+            <a:ext cx="8595000" cy="1319040"/>
           </a:xfrm>
           <a:prstGeom prst="rect">
             <a:avLst/>
@@ -4463,7 +4463,7 @@
         <p:txBody>
           <a:bodyPr/>
           <a:p>
-            <a:fld id="{5439A291-1359-4016-8965-6C28846B2F7D}" type="slidenum">
+            <a:fld id="{AB4B82F3-6577-40D4-9B7F-368997132600}" type="slidenum">
               <a:t>&lt;#&gt;</a:t>
             </a:fld>
           </a:p>
@@ -4525,7 +4525,7 @@
         <p:spPr>
           <a:xfrm>
             <a:off x="677160" y="609480"/>
-            <a:ext cx="8595720" cy="1319760"/>
+            <a:ext cx="8595000" cy="1319040"/>
           </a:xfrm>
           <a:prstGeom prst="rect">
             <a:avLst/>
@@ -4685,7 +4685,7 @@
         <p:txBody>
           <a:bodyPr/>
           <a:p>
-            <a:fld id="{028F8701-EDDE-4302-902B-62EF80268BE5}" type="slidenum">
+            <a:fld id="{01AE61E3-51C1-484D-A65B-656B9EC810F1}" type="slidenum">
               <a:t>&lt;#&gt;</a:t>
             </a:fld>
           </a:p>
@@ -4747,7 +4747,7 @@
         <p:spPr>
           <a:xfrm>
             <a:off x="677160" y="609480"/>
-            <a:ext cx="8595720" cy="1319760"/>
+            <a:ext cx="8595000" cy="1319040"/>
           </a:xfrm>
           <a:prstGeom prst="rect">
             <a:avLst/>
@@ -4907,7 +4907,7 @@
         <p:txBody>
           <a:bodyPr/>
           <a:p>
-            <a:fld id="{F8520026-C3C9-4BC3-B31B-A076BCE17969}" type="slidenum">
+            <a:fld id="{7C6ED3AA-6A20-440F-A9F1-0B453B0E4545}" type="slidenum">
               <a:t>&lt;#&gt;</a:t>
             </a:fld>
           </a:p>
@@ -4969,7 +4969,7 @@
         <p:spPr>
           <a:xfrm>
             <a:off x="677160" y="609480"/>
-            <a:ext cx="8595720" cy="1319760"/>
+            <a:ext cx="8595000" cy="1319040"/>
           </a:xfrm>
           <a:prstGeom prst="rect">
             <a:avLst/>
@@ -5095,7 +5095,7 @@
         <p:txBody>
           <a:bodyPr/>
           <a:p>
-            <a:fld id="{6CBABC60-296E-4A4B-BCC4-BC0597691753}" type="slidenum">
+            <a:fld id="{9DDD5FC7-FA54-4F65-B94C-AF288A9F8B09}" type="slidenum">
               <a:t>&lt;#&gt;</a:t>
             </a:fld>
           </a:p>
@@ -5157,7 +5157,7 @@
         <p:spPr>
           <a:xfrm>
             <a:off x="677160" y="609480"/>
-            <a:ext cx="8595720" cy="1319760"/>
+            <a:ext cx="8595000" cy="1319040"/>
           </a:xfrm>
           <a:prstGeom prst="rect">
             <a:avLst/>
@@ -5351,7 +5351,7 @@
         <p:txBody>
           <a:bodyPr/>
           <a:p>
-            <a:fld id="{9FC3D56A-4182-41A8-8F08-FD45C82B0555}" type="slidenum">
+            <a:fld id="{E2842A48-6994-4AD8-82C0-2CDDFD8BBB12}" type="slidenum">
               <a:t>&lt;#&gt;</a:t>
             </a:fld>
           </a:p>
@@ -5413,7 +5413,7 @@
         <p:spPr>
           <a:xfrm>
             <a:off x="677160" y="609480"/>
-            <a:ext cx="8595720" cy="1319760"/>
+            <a:ext cx="8595000" cy="1319040"/>
           </a:xfrm>
           <a:prstGeom prst="rect">
             <a:avLst/>
@@ -5675,7 +5675,7 @@
         <p:txBody>
           <a:bodyPr/>
           <a:p>
-            <a:fld id="{D6BA0438-0C0A-49F5-A554-E4DCADF00F4C}" type="slidenum">
+            <a:fld id="{58C2B32C-9C46-480C-A5BC-A0DFB1010179}" type="slidenum">
               <a:t>&lt;#&gt;</a:t>
             </a:fld>
           </a:p>
@@ -5758,7 +5758,7 @@
         <p:txBody>
           <a:bodyPr/>
           <a:p>
-            <a:fld id="{078EF13D-4EA4-44A0-86B5-7D754B26F6FD}" type="slidenum">
+            <a:fld id="{E8A47F30-4D86-41E5-81F7-2D537BFA6CF9}" type="slidenum">
               <a:t>&lt;#&gt;</a:t>
             </a:fld>
           </a:p>
@@ -5820,7 +5820,7 @@
         <p:spPr>
           <a:xfrm>
             <a:off x="677160" y="609480"/>
-            <a:ext cx="8595720" cy="1319760"/>
+            <a:ext cx="8595000" cy="1319040"/>
           </a:xfrm>
           <a:prstGeom prst="rect">
             <a:avLst/>
@@ -5915,7 +5915,7 @@
         <p:txBody>
           <a:bodyPr/>
           <a:p>
-            <a:fld id="{FBEA4AE3-06FE-427C-A67F-71A268AD0386}" type="slidenum">
+            <a:fld id="{8C64892B-7C23-4924-A4AB-1AE3F77F9D88}" type="slidenum">
               <a:t>&lt;#&gt;</a:t>
             </a:fld>
           </a:p>
@@ -5977,7 +5977,7 @@
         <p:spPr>
           <a:xfrm>
             <a:off x="677160" y="609480"/>
-            <a:ext cx="8595720" cy="1319760"/>
+            <a:ext cx="8595000" cy="1319040"/>
           </a:xfrm>
           <a:prstGeom prst="rect">
             <a:avLst/>
@@ -6069,7 +6069,7 @@
         <p:txBody>
           <a:bodyPr/>
           <a:p>
-            <a:fld id="{9F05F3C0-3E14-498F-9E1D-AF42B1DDF32A}" type="slidenum">
+            <a:fld id="{69B12FA6-FBDB-41A3-B0CD-40FECE602189}" type="slidenum">
               <a:t>&lt;#&gt;</a:t>
             </a:fld>
           </a:p>
@@ -6131,7 +6131,7 @@
         <p:spPr>
           <a:xfrm>
             <a:off x="677160" y="609480"/>
-            <a:ext cx="8595720" cy="1319760"/>
+            <a:ext cx="8595000" cy="1319040"/>
           </a:xfrm>
           <a:prstGeom prst="rect">
             <a:avLst/>
@@ -6257,7 +6257,7 @@
         <p:txBody>
           <a:bodyPr/>
           <a:p>
-            <a:fld id="{33527C57-F355-4C3C-A14B-A1553640BE00}" type="slidenum">
+            <a:fld id="{4667C62D-0949-4715-9EC7-F071A4E1E271}" type="slidenum">
               <a:t>&lt;#&gt;</a:t>
             </a:fld>
           </a:p>
@@ -6319,7 +6319,7 @@
         <p:spPr>
           <a:xfrm>
             <a:off x="677160" y="609480"/>
-            <a:ext cx="8595720" cy="1319760"/>
+            <a:ext cx="8595000" cy="1319040"/>
           </a:xfrm>
           <a:prstGeom prst="rect">
             <a:avLst/>
@@ -6445,7 +6445,7 @@
         <p:txBody>
           <a:bodyPr/>
           <a:p>
-            <a:fld id="{346CB001-7E2A-4A59-8452-AF931458E146}" type="slidenum">
+            <a:fld id="{D4F2FA5A-6111-428C-A68F-ECCB55559C10}" type="slidenum">
               <a:t>&lt;#&gt;</a:t>
             </a:fld>
           </a:p>
@@ -6507,7 +6507,7 @@
         <p:spPr>
           <a:xfrm>
             <a:off x="677160" y="609480"/>
-            <a:ext cx="8595720" cy="1319760"/>
+            <a:ext cx="8595000" cy="1319040"/>
           </a:xfrm>
           <a:prstGeom prst="rect">
             <a:avLst/>
@@ -6565,7 +6565,7 @@
         <p:txBody>
           <a:bodyPr/>
           <a:p>
-            <a:fld id="{86405640-CD1F-494F-95CC-197253F0BE27}" type="slidenum">
+            <a:fld id="{966D6EC5-9C2B-4F62-BB17-4F6BD63E423D}" type="slidenum">
               <a:t>&lt;#&gt;</a:t>
             </a:fld>
           </a:p>
@@ -6627,7 +6627,7 @@
         <p:spPr>
           <a:xfrm>
             <a:off x="677160" y="609480"/>
-            <a:ext cx="8595720" cy="6118920"/>
+            <a:ext cx="8595000" cy="6115680"/>
           </a:xfrm>
           <a:prstGeom prst="rect">
             <a:avLst/>
@@ -6685,7 +6685,7 @@
         <p:txBody>
           <a:bodyPr/>
           <a:p>
-            <a:fld id="{E7FEF8D5-BEA2-4323-AE59-6CBFE2DF9E89}" type="slidenum">
+            <a:fld id="{EF24D987-04B7-4CCB-AE68-BEF445148091}" type="slidenum">
               <a:t>&lt;#&gt;</a:t>
             </a:fld>
           </a:p>
@@ -6747,7 +6747,7 @@
         <p:spPr>
           <a:xfrm>
             <a:off x="677160" y="609480"/>
-            <a:ext cx="8595720" cy="1319760"/>
+            <a:ext cx="8595000" cy="1319040"/>
           </a:xfrm>
           <a:prstGeom prst="rect">
             <a:avLst/>
@@ -6907,7 +6907,7 @@
         <p:txBody>
           <a:bodyPr/>
           <a:p>
-            <a:fld id="{0AD05EF7-6357-47B7-90DC-A226167809CB}" type="slidenum">
+            <a:fld id="{A44765BE-DF16-4752-A930-205FE3864338}" type="slidenum">
               <a:t>&lt;#&gt;</a:t>
             </a:fld>
           </a:p>
@@ -6969,7 +6969,7 @@
         <p:spPr>
           <a:xfrm>
             <a:off x="677160" y="609480"/>
-            <a:ext cx="8595720" cy="1319760"/>
+            <a:ext cx="8595000" cy="1319040"/>
           </a:xfrm>
           <a:prstGeom prst="rect">
             <a:avLst/>
@@ -7129,7 +7129,7 @@
         <p:txBody>
           <a:bodyPr/>
           <a:p>
-            <a:fld id="{9CC9E5F3-40F7-4A50-8ACC-D5256768681B}" type="slidenum">
+            <a:fld id="{E5A61E16-E214-4EE0-8BF2-4654C8474A70}" type="slidenum">
               <a:t>&lt;#&gt;</a:t>
             </a:fld>
           </a:p>
@@ -7191,7 +7191,7 @@
         <p:spPr>
           <a:xfrm>
             <a:off x="677160" y="609480"/>
-            <a:ext cx="8595720" cy="1319760"/>
+            <a:ext cx="8595000" cy="1319040"/>
           </a:xfrm>
           <a:prstGeom prst="rect">
             <a:avLst/>
@@ -7351,7 +7351,7 @@
         <p:txBody>
           <a:bodyPr/>
           <a:p>
-            <a:fld id="{3D6F6AE9-6229-493A-9192-3B5ECCB61B24}" type="slidenum">
+            <a:fld id="{C91017F4-C293-4E85-9655-BDA095404A54}" type="slidenum">
               <a:t>&lt;#&gt;</a:t>
             </a:fld>
           </a:p>
@@ -7413,7 +7413,7 @@
         <p:spPr>
           <a:xfrm>
             <a:off x="677160" y="609480"/>
-            <a:ext cx="8595720" cy="1319760"/>
+            <a:ext cx="8595000" cy="1319040"/>
           </a:xfrm>
           <a:prstGeom prst="rect">
             <a:avLst/>
@@ -7539,7 +7539,7 @@
         <p:txBody>
           <a:bodyPr/>
           <a:p>
-            <a:fld id="{905416B0-7E25-4CD3-802A-9462B437C255}" type="slidenum">
+            <a:fld id="{825729DF-C7FA-4D61-BB98-5A7CC1C03FC7}" type="slidenum">
               <a:t>&lt;#&gt;</a:t>
             </a:fld>
           </a:p>
@@ -7601,7 +7601,7 @@
         <p:spPr>
           <a:xfrm>
             <a:off x="677160" y="609480"/>
-            <a:ext cx="8595720" cy="1319760"/>
+            <a:ext cx="8595000" cy="1319040"/>
           </a:xfrm>
           <a:prstGeom prst="rect">
             <a:avLst/>
@@ -7795,7 +7795,7 @@
         <p:txBody>
           <a:bodyPr/>
           <a:p>
-            <a:fld id="{D75DE714-9267-46D9-9114-318DAC777DBD}" type="slidenum">
+            <a:fld id="{DBD72C0C-F0D1-40AB-B832-412D9CBEE7A3}" type="slidenum">
               <a:t>&lt;#&gt;</a:t>
             </a:fld>
           </a:p>
@@ -7857,7 +7857,7 @@
         <p:spPr>
           <a:xfrm>
             <a:off x="677160" y="609480"/>
-            <a:ext cx="8595720" cy="1319760"/>
+            <a:ext cx="8595000" cy="1319040"/>
           </a:xfrm>
           <a:prstGeom prst="rect">
             <a:avLst/>
@@ -8119,7 +8119,7 @@
         <p:txBody>
           <a:bodyPr/>
           <a:p>
-            <a:fld id="{FE2730E7-1016-4699-A799-CA60562599AF}" type="slidenum">
+            <a:fld id="{3211D4E1-EB46-45FE-BAEA-0DBFF07D8D5C}" type="slidenum">
               <a:t>&lt;#&gt;</a:t>
             </a:fld>
           </a:p>
@@ -8202,7 +8202,7 @@
         <p:txBody>
           <a:bodyPr/>
           <a:p>
-            <a:fld id="{DF1FD230-4111-4E9E-A676-FE2A5FF1A85F}" type="slidenum">
+            <a:fld id="{B5F272A6-D343-40D4-A73E-F30FFCA73A19}" type="slidenum">
               <a:t>&lt;#&gt;</a:t>
             </a:fld>
           </a:p>
@@ -8264,7 +8264,7 @@
         <p:spPr>
           <a:xfrm>
             <a:off x="677160" y="609480"/>
-            <a:ext cx="8595720" cy="1319760"/>
+            <a:ext cx="8595000" cy="1319040"/>
           </a:xfrm>
           <a:prstGeom prst="rect">
             <a:avLst/>
@@ -8322,7 +8322,7 @@
         <p:txBody>
           <a:bodyPr/>
           <a:p>
-            <a:fld id="{9D21FAA1-D85F-4A41-908B-9E1E350DEAA9}" type="slidenum">
+            <a:fld id="{B10C683C-D2E9-4D54-A038-DCDF5A223C25}" type="slidenum">
               <a:t>&lt;#&gt;</a:t>
             </a:fld>
           </a:p>
@@ -8384,7 +8384,7 @@
         <p:spPr>
           <a:xfrm>
             <a:off x="677160" y="609480"/>
-            <a:ext cx="8595720" cy="1319760"/>
+            <a:ext cx="8595000" cy="1319040"/>
           </a:xfrm>
           <a:prstGeom prst="rect">
             <a:avLst/>
@@ -8479,7 +8479,7 @@
         <p:txBody>
           <a:bodyPr/>
           <a:p>
-            <a:fld id="{0407AD62-F676-4060-9EA6-4CC2E251146F}" type="slidenum">
+            <a:fld id="{AF5243E8-941D-4133-85DD-E3D7ABE36D48}" type="slidenum">
               <a:t>&lt;#&gt;</a:t>
             </a:fld>
           </a:p>
@@ -8541,7 +8541,7 @@
         <p:spPr>
           <a:xfrm>
             <a:off x="677160" y="609480"/>
-            <a:ext cx="8595720" cy="1319760"/>
+            <a:ext cx="8595000" cy="1319040"/>
           </a:xfrm>
           <a:prstGeom prst="rect">
             <a:avLst/>
@@ -8633,7 +8633,7 @@
         <p:txBody>
           <a:bodyPr/>
           <a:p>
-            <a:fld id="{3C5C9779-4FFF-42E7-A91F-3AD4DE1F68FF}" type="slidenum">
+            <a:fld id="{564B094D-59A1-4DC2-88EC-AAD43CAF01F2}" type="slidenum">
               <a:t>&lt;#&gt;</a:t>
             </a:fld>
           </a:p>
@@ -8695,7 +8695,7 @@
         <p:spPr>
           <a:xfrm>
             <a:off x="677160" y="609480"/>
-            <a:ext cx="8595720" cy="1319760"/>
+            <a:ext cx="8595000" cy="1319040"/>
           </a:xfrm>
           <a:prstGeom prst="rect">
             <a:avLst/>
@@ -8821,7 +8821,7 @@
         <p:txBody>
           <a:bodyPr/>
           <a:p>
-            <a:fld id="{50BAC7D5-7A3B-4BD9-9B6C-4AE544DF7BC9}" type="slidenum">
+            <a:fld id="{823B2028-25A2-412F-B537-663EF2042FB3}" type="slidenum">
               <a:t>&lt;#&gt;</a:t>
             </a:fld>
           </a:p>
@@ -8883,7 +8883,7 @@
         <p:spPr>
           <a:xfrm>
             <a:off x="677160" y="609480"/>
-            <a:ext cx="8595720" cy="1319760"/>
+            <a:ext cx="8595000" cy="1319040"/>
           </a:xfrm>
           <a:prstGeom prst="rect">
             <a:avLst/>
@@ -8941,7 +8941,7 @@
         <p:txBody>
           <a:bodyPr/>
           <a:p>
-            <a:fld id="{E854CA8E-9DA8-4A85-A60A-B802B964C5FD}" type="slidenum">
+            <a:fld id="{76F3942C-D807-41C0-8A17-FDA6725E8347}" type="slidenum">
               <a:t>&lt;#&gt;</a:t>
             </a:fld>
           </a:p>
@@ -9003,7 +9003,7 @@
         <p:spPr>
           <a:xfrm>
             <a:off x="677160" y="609480"/>
-            <a:ext cx="8595720" cy="6118920"/>
+            <a:ext cx="8595000" cy="6115680"/>
           </a:xfrm>
           <a:prstGeom prst="rect">
             <a:avLst/>
@@ -9061,7 +9061,7 @@
         <p:txBody>
           <a:bodyPr/>
           <a:p>
-            <a:fld id="{09580B98-9314-4716-9B0A-9D020B03968D}" type="slidenum">
+            <a:fld id="{F66C8A86-1918-4372-A142-829F42E02E4C}" type="slidenum">
               <a:t>&lt;#&gt;</a:t>
             </a:fld>
           </a:p>
@@ -9123,7 +9123,7 @@
         <p:spPr>
           <a:xfrm>
             <a:off x="677160" y="609480"/>
-            <a:ext cx="8595720" cy="1319760"/>
+            <a:ext cx="8595000" cy="1319040"/>
           </a:xfrm>
           <a:prstGeom prst="rect">
             <a:avLst/>
@@ -9283,7 +9283,7 @@
         <p:txBody>
           <a:bodyPr/>
           <a:p>
-            <a:fld id="{3FED71BB-A8E4-4E7C-B727-D55A41DD887C}" type="slidenum">
+            <a:fld id="{5E1DCDE1-F6D3-4DFA-A1D5-B4EF59425DF3}" type="slidenum">
               <a:t>&lt;#&gt;</a:t>
             </a:fld>
           </a:p>
@@ -9345,7 +9345,7 @@
         <p:spPr>
           <a:xfrm>
             <a:off x="677160" y="609480"/>
-            <a:ext cx="8595720" cy="1319760"/>
+            <a:ext cx="8595000" cy="1319040"/>
           </a:xfrm>
           <a:prstGeom prst="rect">
             <a:avLst/>
@@ -9505,7 +9505,7 @@
         <p:txBody>
           <a:bodyPr/>
           <a:p>
-            <a:fld id="{DA48BA3E-B6E6-4DB0-9801-B32CAC7AFDAA}" type="slidenum">
+            <a:fld id="{0DB6BE02-39B5-4583-9AB3-CE3D0BC2FC01}" type="slidenum">
               <a:t>&lt;#&gt;</a:t>
             </a:fld>
           </a:p>
@@ -9567,7 +9567,7 @@
         <p:spPr>
           <a:xfrm>
             <a:off x="677160" y="609480"/>
-            <a:ext cx="8595720" cy="1319760"/>
+            <a:ext cx="8595000" cy="1319040"/>
           </a:xfrm>
           <a:prstGeom prst="rect">
             <a:avLst/>
@@ -9727,7 +9727,7 @@
         <p:txBody>
           <a:bodyPr/>
           <a:p>
-            <a:fld id="{430BF04C-0E4C-493E-A962-6E37615E8BA6}" type="slidenum">
+            <a:fld id="{729946CB-DB5C-4E91-9DC6-A41C2927FCD0}" type="slidenum">
               <a:t>&lt;#&gt;</a:t>
             </a:fld>
           </a:p>
@@ -9789,7 +9789,7 @@
         <p:spPr>
           <a:xfrm>
             <a:off x="677160" y="609480"/>
-            <a:ext cx="8595720" cy="1319760"/>
+            <a:ext cx="8595000" cy="1319040"/>
           </a:xfrm>
           <a:prstGeom prst="rect">
             <a:avLst/>
@@ -9915,7 +9915,7 @@
         <p:txBody>
           <a:bodyPr/>
           <a:p>
-            <a:fld id="{2B02E73D-216E-4544-95B2-3C6AB24D87DA}" type="slidenum">
+            <a:fld id="{2D4A7678-E4FF-47E9-9582-41DA72593BF2}" type="slidenum">
               <a:t>&lt;#&gt;</a:t>
             </a:fld>
           </a:p>
@@ -9977,7 +9977,7 @@
         <p:spPr>
           <a:xfrm>
             <a:off x="677160" y="609480"/>
-            <a:ext cx="8595720" cy="1319760"/>
+            <a:ext cx="8595000" cy="1319040"/>
           </a:xfrm>
           <a:prstGeom prst="rect">
             <a:avLst/>
@@ -10171,7 +10171,7 @@
         <p:txBody>
           <a:bodyPr/>
           <a:p>
-            <a:fld id="{30640D09-A73B-4EEE-AC85-15929BE6FA0B}" type="slidenum">
+            <a:fld id="{9029EBE9-3781-4F21-AE7E-2916E69D1DFA}" type="slidenum">
               <a:t>&lt;#&gt;</a:t>
             </a:fld>
           </a:p>
@@ -10233,7 +10233,7 @@
         <p:spPr>
           <a:xfrm>
             <a:off x="677160" y="609480"/>
-            <a:ext cx="8595720" cy="6118920"/>
+            <a:ext cx="8595000" cy="6115680"/>
           </a:xfrm>
           <a:prstGeom prst="rect">
             <a:avLst/>
@@ -10291,7 +10291,7 @@
         <p:txBody>
           <a:bodyPr/>
           <a:p>
-            <a:fld id="{8FBFC3FE-E908-49AC-8AB5-9CFA2931E38E}" type="slidenum">
+            <a:fld id="{00B55B90-6C8B-49E6-8819-00849221E6CA}" type="slidenum">
               <a:t>&lt;#&gt;</a:t>
             </a:fld>
           </a:p>
@@ -10353,7 +10353,7 @@
         <p:spPr>
           <a:xfrm>
             <a:off x="677160" y="609480"/>
-            <a:ext cx="8595720" cy="1319760"/>
+            <a:ext cx="8595000" cy="1319040"/>
           </a:xfrm>
           <a:prstGeom prst="rect">
             <a:avLst/>
@@ -10615,7 +10615,7 @@
         <p:txBody>
           <a:bodyPr/>
           <a:p>
-            <a:fld id="{1168C93F-C49F-49D2-990A-EC2E7F18B20C}" type="slidenum">
+            <a:fld id="{9DD888CF-FFFF-447C-9036-0DB854F21D8F}" type="slidenum">
               <a:t>&lt;#&gt;</a:t>
             </a:fld>
           </a:p>
@@ -10698,7 +10698,7 @@
         <p:txBody>
           <a:bodyPr/>
           <a:p>
-            <a:fld id="{DEC7C909-F67F-470B-B31A-BE03EA1ED399}" type="slidenum">
+            <a:fld id="{EAF84704-162A-495B-8062-FCC790CEEEF0}" type="slidenum">
               <a:t>&lt;#&gt;</a:t>
             </a:fld>
           </a:p>
@@ -10760,7 +10760,7 @@
         <p:spPr>
           <a:xfrm>
             <a:off x="677160" y="609480"/>
-            <a:ext cx="8595720" cy="1319760"/>
+            <a:ext cx="8595000" cy="1319040"/>
           </a:xfrm>
           <a:prstGeom prst="rect">
             <a:avLst/>
@@ -10855,7 +10855,7 @@
         <p:txBody>
           <a:bodyPr/>
           <a:p>
-            <a:fld id="{D3C81BBB-7B98-492C-AE68-8EBDE6D1B3EE}" type="slidenum">
+            <a:fld id="{DEB60B4C-1899-4E5F-ADD2-CC8869E8E54C}" type="slidenum">
               <a:t>&lt;#&gt;</a:t>
             </a:fld>
           </a:p>
@@ -10917,7 +10917,7 @@
         <p:spPr>
           <a:xfrm>
             <a:off x="677160" y="609480"/>
-            <a:ext cx="8595720" cy="1319760"/>
+            <a:ext cx="8595000" cy="1319040"/>
           </a:xfrm>
           <a:prstGeom prst="rect">
             <a:avLst/>
@@ -11009,7 +11009,7 @@
         <p:txBody>
           <a:bodyPr/>
           <a:p>
-            <a:fld id="{82C207E5-A293-4F21-AA68-A4DA9A52C5A5}" type="slidenum">
+            <a:fld id="{0B190E57-E453-4337-BC07-2A48609FD271}" type="slidenum">
               <a:t>&lt;#&gt;</a:t>
             </a:fld>
           </a:p>
@@ -11071,7 +11071,7 @@
         <p:spPr>
           <a:xfrm>
             <a:off x="677160" y="609480"/>
-            <a:ext cx="8595720" cy="1319760"/>
+            <a:ext cx="8595000" cy="1319040"/>
           </a:xfrm>
           <a:prstGeom prst="rect">
             <a:avLst/>
@@ -11197,7 +11197,7 @@
         <p:txBody>
           <a:bodyPr/>
           <a:p>
-            <a:fld id="{244E4BD0-9B8D-43F5-BBDF-F3BABEBBD6D4}" type="slidenum">
+            <a:fld id="{23B51AC1-C324-4078-BADB-985E591BB547}" type="slidenum">
               <a:t>&lt;#&gt;</a:t>
             </a:fld>
           </a:p>
@@ -11259,7 +11259,7 @@
         <p:spPr>
           <a:xfrm>
             <a:off x="677160" y="609480"/>
-            <a:ext cx="8595720" cy="1319760"/>
+            <a:ext cx="8595000" cy="1319040"/>
           </a:xfrm>
           <a:prstGeom prst="rect">
             <a:avLst/>
@@ -11317,7 +11317,7 @@
         <p:txBody>
           <a:bodyPr/>
           <a:p>
-            <a:fld id="{DFCAA5D8-B875-4EE6-A7A3-C560122A6BE3}" type="slidenum">
+            <a:fld id="{01EE01EA-7D0A-43E6-8E0A-2C7B700FBBDF}" type="slidenum">
               <a:t>&lt;#&gt;</a:t>
             </a:fld>
           </a:p>
@@ -11379,7 +11379,7 @@
         <p:spPr>
           <a:xfrm>
             <a:off x="677160" y="609480"/>
-            <a:ext cx="8595720" cy="6118920"/>
+            <a:ext cx="8595000" cy="6115680"/>
           </a:xfrm>
           <a:prstGeom prst="rect">
             <a:avLst/>
@@ -11437,7 +11437,7 @@
         <p:txBody>
           <a:bodyPr/>
           <a:p>
-            <a:fld id="{AB0452D5-5D75-4A56-8147-7692C9EF7D88}" type="slidenum">
+            <a:fld id="{FAB51D61-AD89-4811-8FAF-6170DD08F9BD}" type="slidenum">
               <a:t>&lt;#&gt;</a:t>
             </a:fld>
           </a:p>
@@ -11499,7 +11499,7 @@
         <p:spPr>
           <a:xfrm>
             <a:off x="677160" y="609480"/>
-            <a:ext cx="8595720" cy="1319760"/>
+            <a:ext cx="8595000" cy="1319040"/>
           </a:xfrm>
           <a:prstGeom prst="rect">
             <a:avLst/>
@@ -11659,7 +11659,7 @@
         <p:txBody>
           <a:bodyPr/>
           <a:p>
-            <a:fld id="{8A0B0E2D-E809-48A9-814E-945F2801C3DA}" type="slidenum">
+            <a:fld id="{834A3F09-621E-4A5B-AAE9-F80703CCB736}" type="slidenum">
               <a:t>&lt;#&gt;</a:t>
             </a:fld>
           </a:p>
@@ -11721,7 +11721,7 @@
         <p:spPr>
           <a:xfrm>
             <a:off x="677160" y="609480"/>
-            <a:ext cx="8595720" cy="1319760"/>
+            <a:ext cx="8595000" cy="1319040"/>
           </a:xfrm>
           <a:prstGeom prst="rect">
             <a:avLst/>
@@ -11881,7 +11881,7 @@
         <p:txBody>
           <a:bodyPr/>
           <a:p>
-            <a:fld id="{DDAE900D-E17E-4F34-8804-5CB54B6FA004}" type="slidenum">
+            <a:fld id="{8C1BA2DE-3F09-464C-A195-6FD5E2E393D9}" type="slidenum">
               <a:t>&lt;#&gt;</a:t>
             </a:fld>
           </a:p>
@@ -11943,7 +11943,7 @@
         <p:spPr>
           <a:xfrm>
             <a:off x="677160" y="609480"/>
-            <a:ext cx="8595720" cy="1319760"/>
+            <a:ext cx="8595000" cy="1319040"/>
           </a:xfrm>
           <a:prstGeom prst="rect">
             <a:avLst/>
@@ -12103,7 +12103,7 @@
         <p:txBody>
           <a:bodyPr/>
           <a:p>
-            <a:fld id="{65755969-1671-41DF-982C-AD0F68EF3714}" type="slidenum">
+            <a:fld id="{290CB72B-919E-4FB4-83CD-3925E34B46F9}" type="slidenum">
               <a:t>&lt;#&gt;</a:t>
             </a:fld>
           </a:p>
@@ -12165,7 +12165,7 @@
         <p:spPr>
           <a:xfrm>
             <a:off x="677160" y="609480"/>
-            <a:ext cx="8595720" cy="1319760"/>
+            <a:ext cx="8595000" cy="1319040"/>
           </a:xfrm>
           <a:prstGeom prst="rect">
             <a:avLst/>
@@ -12325,7 +12325,7 @@
         <p:txBody>
           <a:bodyPr/>
           <a:p>
-            <a:fld id="{495B12D5-87C4-4EA8-A588-3C3EFEBDD1B2}" type="slidenum">
+            <a:fld id="{54F949B8-B343-4D23-A6E7-BD03511A2854}" type="slidenum">
               <a:t>&lt;#&gt;</a:t>
             </a:fld>
           </a:p>
@@ -12387,7 +12387,7 @@
         <p:spPr>
           <a:xfrm>
             <a:off x="677160" y="609480"/>
-            <a:ext cx="8595720" cy="1319760"/>
+            <a:ext cx="8595000" cy="1319040"/>
           </a:xfrm>
           <a:prstGeom prst="rect">
             <a:avLst/>
@@ -12513,7 +12513,7 @@
         <p:txBody>
           <a:bodyPr/>
           <a:p>
-            <a:fld id="{86683572-5C6C-4996-BE62-34F2BC3AD97E}" type="slidenum">
+            <a:fld id="{B864F102-B1D4-4F75-B35B-C49252F67E65}" type="slidenum">
               <a:t>&lt;#&gt;</a:t>
             </a:fld>
           </a:p>
@@ -12575,7 +12575,7 @@
         <p:spPr>
           <a:xfrm>
             <a:off x="677160" y="609480"/>
-            <a:ext cx="8595720" cy="1319760"/>
+            <a:ext cx="8595000" cy="1319040"/>
           </a:xfrm>
           <a:prstGeom prst="rect">
             <a:avLst/>
@@ -12769,7 +12769,7 @@
         <p:txBody>
           <a:bodyPr/>
           <a:p>
-            <a:fld id="{C6275784-1D60-47FA-8150-61385B29163B}" type="slidenum">
+            <a:fld id="{864022D0-F091-4C15-85AD-F8769E921BA6}" type="slidenum">
               <a:t>&lt;#&gt;</a:t>
             </a:fld>
           </a:p>
@@ -12831,7 +12831,7 @@
         <p:spPr>
           <a:xfrm>
             <a:off x="677160" y="609480"/>
-            <a:ext cx="8595720" cy="1319760"/>
+            <a:ext cx="8595000" cy="1319040"/>
           </a:xfrm>
           <a:prstGeom prst="rect">
             <a:avLst/>
@@ -13093,7 +13093,7 @@
         <p:txBody>
           <a:bodyPr/>
           <a:p>
-            <a:fld id="{2DF6DF87-659D-44A8-8421-A87601D16CAB}" type="slidenum">
+            <a:fld id="{517334DD-A358-40D1-91E0-A8202E09AEC3}" type="slidenum">
               <a:t>&lt;#&gt;</a:t>
             </a:fld>
           </a:p>
@@ -13176,7 +13176,7 @@
         <p:txBody>
           <a:bodyPr/>
           <a:p>
-            <a:fld id="{2F11B2B3-2F24-4AB6-AAB6-536A71502146}" type="slidenum">
+            <a:fld id="{F820E57C-84CC-4151-AB77-03DD3B9E481A}" type="slidenum">
               <a:t>&lt;#&gt;</a:t>
             </a:fld>
           </a:p>
@@ -13238,7 +13238,7 @@
         <p:spPr>
           <a:xfrm>
             <a:off x="677160" y="609480"/>
-            <a:ext cx="8595720" cy="1319760"/>
+            <a:ext cx="8595000" cy="1319040"/>
           </a:xfrm>
           <a:prstGeom prst="rect">
             <a:avLst/>
@@ -13333,7 +13333,7 @@
         <p:txBody>
           <a:bodyPr/>
           <a:p>
-            <a:fld id="{1146D254-D4E4-40AA-8A89-640892E8344D}" type="slidenum">
+            <a:fld id="{7837804B-13A0-44B9-B744-D9208D1BFC2F}" type="slidenum">
               <a:t>&lt;#&gt;</a:t>
             </a:fld>
           </a:p>
@@ -13395,7 +13395,7 @@
         <p:spPr>
           <a:xfrm>
             <a:off x="677160" y="609480"/>
-            <a:ext cx="8595720" cy="1319760"/>
+            <a:ext cx="8595000" cy="1319040"/>
           </a:xfrm>
           <a:prstGeom prst="rect">
             <a:avLst/>
@@ -13487,7 +13487,7 @@
         <p:txBody>
           <a:bodyPr/>
           <a:p>
-            <a:fld id="{7B33CEC8-506A-465D-906C-94F1338E8E7A}" type="slidenum">
+            <a:fld id="{BD08034F-6E38-464E-BB51-3EA981D1771F}" type="slidenum">
               <a:t>&lt;#&gt;</a:t>
             </a:fld>
           </a:p>
@@ -13549,7 +13549,7 @@
         <p:spPr>
           <a:xfrm>
             <a:off x="677160" y="609480"/>
-            <a:ext cx="8595720" cy="1319760"/>
+            <a:ext cx="8595000" cy="1319040"/>
           </a:xfrm>
           <a:prstGeom prst="rect">
             <a:avLst/>
@@ -13675,7 +13675,7 @@
         <p:txBody>
           <a:bodyPr/>
           <a:p>
-            <a:fld id="{303B21FB-C759-406C-AA75-B892D0BF9519}" type="slidenum">
+            <a:fld id="{170A84C2-32A1-44AA-B902-216BCD312A39}" type="slidenum">
               <a:t>&lt;#&gt;</a:t>
             </a:fld>
           </a:p>
@@ -13737,7 +13737,7 @@
         <p:spPr>
           <a:xfrm>
             <a:off x="677160" y="609480"/>
-            <a:ext cx="8595720" cy="1319760"/>
+            <a:ext cx="8595000" cy="1319040"/>
           </a:xfrm>
           <a:prstGeom prst="rect">
             <a:avLst/>
@@ -13795,7 +13795,7 @@
         <p:txBody>
           <a:bodyPr/>
           <a:p>
-            <a:fld id="{6F7115CA-7E47-4A0B-B6A2-B1D102523CBE}" type="slidenum">
+            <a:fld id="{FD0F6BA6-01A7-4CA8-937E-14E188371593}" type="slidenum">
               <a:t>&lt;#&gt;</a:t>
             </a:fld>
           </a:p>
@@ -13857,7 +13857,7 @@
         <p:spPr>
           <a:xfrm>
             <a:off x="677160" y="609480"/>
-            <a:ext cx="8595720" cy="6118920"/>
+            <a:ext cx="8595000" cy="6115680"/>
           </a:xfrm>
           <a:prstGeom prst="rect">
             <a:avLst/>
@@ -13915,7 +13915,7 @@
         <p:txBody>
           <a:bodyPr/>
           <a:p>
-            <a:fld id="{C774342F-407D-431A-9B08-50EB81FB69C6}" type="slidenum">
+            <a:fld id="{EEB615F3-B15D-4829-BCD3-CBBC9EDADF6A}" type="slidenum">
               <a:t>&lt;#&gt;</a:t>
             </a:fld>
           </a:p>
@@ -13977,7 +13977,7 @@
         <p:spPr>
           <a:xfrm>
             <a:off x="677160" y="609480"/>
-            <a:ext cx="8595720" cy="1319760"/>
+            <a:ext cx="8595000" cy="1319040"/>
           </a:xfrm>
           <a:prstGeom prst="rect">
             <a:avLst/>
@@ -14137,7 +14137,7 @@
         <p:txBody>
           <a:bodyPr/>
           <a:p>
-            <a:fld id="{38789997-7B8F-42B1-848B-F63EAF4A591A}" type="slidenum">
+            <a:fld id="{70EF1D77-156A-4431-8764-E8A0BF6C2E17}" type="slidenum">
               <a:t>&lt;#&gt;</a:t>
             </a:fld>
           </a:p>
@@ -14199,7 +14199,7 @@
         <p:spPr>
           <a:xfrm>
             <a:off x="677160" y="609480"/>
-            <a:ext cx="8595720" cy="1319760"/>
+            <a:ext cx="8595000" cy="1319040"/>
           </a:xfrm>
           <a:prstGeom prst="rect">
             <a:avLst/>
@@ -14359,7 +14359,7 @@
         <p:txBody>
           <a:bodyPr/>
           <a:p>
-            <a:fld id="{A0620744-22BD-4F5B-BF8F-7E07BB083839}" type="slidenum">
+            <a:fld id="{C37D8180-73C6-4B93-93B2-C3106CBCFDE8}" type="slidenum">
               <a:t>&lt;#&gt;</a:t>
             </a:fld>
           </a:p>
@@ -14421,7 +14421,7 @@
         <p:spPr>
           <a:xfrm>
             <a:off x="677160" y="609480"/>
-            <a:ext cx="8595720" cy="1319760"/>
+            <a:ext cx="8595000" cy="1319040"/>
           </a:xfrm>
           <a:prstGeom prst="rect">
             <a:avLst/>
@@ -14581,7 +14581,7 @@
         <p:txBody>
           <a:bodyPr/>
           <a:p>
-            <a:fld id="{B3D57D53-F6E1-4B1D-AFE9-17CA62A446AE}" type="slidenum">
+            <a:fld id="{44CEDE0E-D1A6-4507-9131-6E2630D9E5FB}" type="slidenum">
               <a:t>&lt;#&gt;</a:t>
             </a:fld>
           </a:p>
@@ -14643,7 +14643,7 @@
         <p:spPr>
           <a:xfrm>
             <a:off x="677160" y="609480"/>
-            <a:ext cx="8595720" cy="1319760"/>
+            <a:ext cx="8595000" cy="1319040"/>
           </a:xfrm>
           <a:prstGeom prst="rect">
             <a:avLst/>
@@ -14803,7 +14803,7 @@
         <p:txBody>
           <a:bodyPr/>
           <a:p>
-            <a:fld id="{3E242069-07F6-4213-B6A4-ED80A434948A}" type="slidenum">
+            <a:fld id="{FFAD15E1-47D7-469D-9743-EBAA6764D18B}" type="slidenum">
               <a:t>&lt;#&gt;</a:t>
             </a:fld>
           </a:p>
@@ -14865,7 +14865,7 @@
         <p:spPr>
           <a:xfrm>
             <a:off x="677160" y="609480"/>
-            <a:ext cx="8595720" cy="1319760"/>
+            <a:ext cx="8595000" cy="1319040"/>
           </a:xfrm>
           <a:prstGeom prst="rect">
             <a:avLst/>
@@ -14991,7 +14991,7 @@
         <p:txBody>
           <a:bodyPr/>
           <a:p>
-            <a:fld id="{CB212CC7-77F9-41BF-931D-5573F3C54927}" type="slidenum">
+            <a:fld id="{1901C5E1-D24E-4D5D-AFA0-6B68C747D09E}" type="slidenum">
               <a:t>&lt;#&gt;</a:t>
             </a:fld>
           </a:p>
@@ -15053,7 +15053,7 @@
         <p:spPr>
           <a:xfrm>
             <a:off x="677160" y="609480"/>
-            <a:ext cx="8595720" cy="1319760"/>
+            <a:ext cx="8595000" cy="1319040"/>
           </a:xfrm>
           <a:prstGeom prst="rect">
             <a:avLst/>
@@ -15247,7 +15247,7 @@
         <p:txBody>
           <a:bodyPr/>
           <a:p>
-            <a:fld id="{39AAA278-1FE5-489F-90F4-53C5874CE99D}" type="slidenum">
+            <a:fld id="{0A7784CC-25AE-4FB1-A51C-0F4EA8FA7B02}" type="slidenum">
               <a:t>&lt;#&gt;</a:t>
             </a:fld>
           </a:p>
@@ -15309,7 +15309,7 @@
         <p:spPr>
           <a:xfrm>
             <a:off x="677160" y="609480"/>
-            <a:ext cx="8595720" cy="1319760"/>
+            <a:ext cx="8595000" cy="1319040"/>
           </a:xfrm>
           <a:prstGeom prst="rect">
             <a:avLst/>
@@ -15571,7 +15571,7 @@
         <p:txBody>
           <a:bodyPr/>
           <a:p>
-            <a:fld id="{61DB89A1-05C7-4704-983A-B6E270A11991}" type="slidenum">
+            <a:fld id="{BBF22483-C358-463F-9902-F99CEB20BDD6}" type="slidenum">
               <a:t>&lt;#&gt;</a:t>
             </a:fld>
           </a:p>
@@ -15654,7 +15654,7 @@
         <p:txBody>
           <a:bodyPr/>
           <a:p>
-            <a:fld id="{09AF01CA-299C-4DAC-B4F0-FFBC0D930DF4}" type="slidenum">
+            <a:fld id="{AF230E18-C06A-4140-88C4-EB64D016DCAD}" type="slidenum">
               <a:t>&lt;#&gt;</a:t>
             </a:fld>
           </a:p>
@@ -15716,7 +15716,7 @@
         <p:spPr>
           <a:xfrm>
             <a:off x="677160" y="609480"/>
-            <a:ext cx="8595720" cy="1319760"/>
+            <a:ext cx="8595000" cy="1319040"/>
           </a:xfrm>
           <a:prstGeom prst="rect">
             <a:avLst/>
@@ -15811,7 +15811,7 @@
         <p:txBody>
           <a:bodyPr/>
           <a:p>
-            <a:fld id="{1A9A9404-EA8F-4BC9-B4E2-6B9C414EF8B0}" type="slidenum">
+            <a:fld id="{6604F093-B6F5-4466-85B4-64ADB219E363}" type="slidenum">
               <a:t>&lt;#&gt;</a:t>
             </a:fld>
           </a:p>
@@ -15873,7 +15873,7 @@
         <p:spPr>
           <a:xfrm>
             <a:off x="677160" y="609480"/>
-            <a:ext cx="8595720" cy="1319760"/>
+            <a:ext cx="8595000" cy="1319040"/>
           </a:xfrm>
           <a:prstGeom prst="rect">
             <a:avLst/>
@@ -15965,7 +15965,7 @@
         <p:txBody>
           <a:bodyPr/>
           <a:p>
-            <a:fld id="{1931C177-70BE-4ECF-B23F-1D707E01B8F3}" type="slidenum">
+            <a:fld id="{30ED17DF-96FF-4BFF-80A7-B458A5BD6CA0}" type="slidenum">
               <a:t>&lt;#&gt;</a:t>
             </a:fld>
           </a:p>
@@ -16027,7 +16027,7 @@
         <p:spPr>
           <a:xfrm>
             <a:off x="677160" y="609480"/>
-            <a:ext cx="8595720" cy="1319760"/>
+            <a:ext cx="8595000" cy="1319040"/>
           </a:xfrm>
           <a:prstGeom prst="rect">
             <a:avLst/>
@@ -16153,7 +16153,7 @@
         <p:txBody>
           <a:bodyPr/>
           <a:p>
-            <a:fld id="{24B7CF12-8CBE-459D-A9AE-73D193FAA43A}" type="slidenum">
+            <a:fld id="{BB3CE7F4-CAEB-45EB-BCDD-35C54D0D1F45}" type="slidenum">
               <a:t>&lt;#&gt;</a:t>
             </a:fld>
           </a:p>
@@ -16215,7 +16215,7 @@
         <p:spPr>
           <a:xfrm>
             <a:off x="677160" y="609480"/>
-            <a:ext cx="8595720" cy="1319760"/>
+            <a:ext cx="8595000" cy="1319040"/>
           </a:xfrm>
           <a:prstGeom prst="rect">
             <a:avLst/>
@@ -16273,7 +16273,7 @@
         <p:txBody>
           <a:bodyPr/>
           <a:p>
-            <a:fld id="{4DE645E7-B152-43D1-9668-264535D83074}" type="slidenum">
+            <a:fld id="{B9B00632-E2B7-4ADD-87C0-072FE4F04E00}" type="slidenum">
               <a:t>&lt;#&gt;</a:t>
             </a:fld>
           </a:p>
@@ -16335,7 +16335,7 @@
         <p:spPr>
           <a:xfrm>
             <a:off x="677160" y="609480"/>
-            <a:ext cx="8595720" cy="1319760"/>
+            <a:ext cx="8595000" cy="1319040"/>
           </a:xfrm>
           <a:prstGeom prst="rect">
             <a:avLst/>
@@ -16495,7 +16495,7 @@
         <p:txBody>
           <a:bodyPr/>
           <a:p>
-            <a:fld id="{8BFDE3A9-56B4-4530-B26E-A887AF469B3E}" type="slidenum">
+            <a:fld id="{89C0E8E5-72EC-4F69-9E56-47B1BA850219}" type="slidenum">
               <a:t>&lt;#&gt;</a:t>
             </a:fld>
           </a:p>
@@ -16557,7 +16557,7 @@
         <p:spPr>
           <a:xfrm>
             <a:off x="677160" y="609480"/>
-            <a:ext cx="8595720" cy="6118920"/>
+            <a:ext cx="8595000" cy="6115680"/>
           </a:xfrm>
           <a:prstGeom prst="rect">
             <a:avLst/>
@@ -16615,7 +16615,7 @@
         <p:txBody>
           <a:bodyPr/>
           <a:p>
-            <a:fld id="{E84F72E0-B352-46B0-983B-153606980FA2}" type="slidenum">
+            <a:fld id="{D5DC7792-26E5-4AB6-8D67-D0D146DC564D}" type="slidenum">
               <a:t>&lt;#&gt;</a:t>
             </a:fld>
           </a:p>
@@ -16677,7 +16677,7 @@
         <p:spPr>
           <a:xfrm>
             <a:off x="677160" y="609480"/>
-            <a:ext cx="8595720" cy="1319760"/>
+            <a:ext cx="8595000" cy="1319040"/>
           </a:xfrm>
           <a:prstGeom prst="rect">
             <a:avLst/>
@@ -16837,7 +16837,7 @@
         <p:txBody>
           <a:bodyPr/>
           <a:p>
-            <a:fld id="{60A7DA5D-D7BF-40BB-91D5-913F73A7E630}" type="slidenum">
+            <a:fld id="{FD2F7A10-4E31-4E5A-A0DB-972E6E5D5641}" type="slidenum">
               <a:t>&lt;#&gt;</a:t>
             </a:fld>
           </a:p>
@@ -16899,7 +16899,7 @@
         <p:spPr>
           <a:xfrm>
             <a:off x="677160" y="609480"/>
-            <a:ext cx="8595720" cy="1319760"/>
+            <a:ext cx="8595000" cy="1319040"/>
           </a:xfrm>
           <a:prstGeom prst="rect">
             <a:avLst/>
@@ -17059,7 +17059,7 @@
         <p:txBody>
           <a:bodyPr/>
           <a:p>
-            <a:fld id="{F6A0428D-FF5A-4C68-AA4E-5E4CDB0C16D2}" type="slidenum">
+            <a:fld id="{22512FDB-E4F8-4E15-9F8A-1B7D18A62357}" type="slidenum">
               <a:t>&lt;#&gt;</a:t>
             </a:fld>
           </a:p>
@@ -17121,7 +17121,7 @@
         <p:spPr>
           <a:xfrm>
             <a:off x="677160" y="609480"/>
-            <a:ext cx="8595720" cy="1319760"/>
+            <a:ext cx="8595000" cy="1319040"/>
           </a:xfrm>
           <a:prstGeom prst="rect">
             <a:avLst/>
@@ -17281,7 +17281,7 @@
         <p:txBody>
           <a:bodyPr/>
           <a:p>
-            <a:fld id="{DEC877CF-F06A-4D39-9638-B0956D5B6040}" type="slidenum">
+            <a:fld id="{BCB8D905-7620-47B4-AA25-495E1DB3CC23}" type="slidenum">
               <a:t>&lt;#&gt;</a:t>
             </a:fld>
           </a:p>
@@ -17343,7 +17343,7 @@
         <p:spPr>
           <a:xfrm>
             <a:off x="677160" y="609480"/>
-            <a:ext cx="8595720" cy="1319760"/>
+            <a:ext cx="8595000" cy="1319040"/>
           </a:xfrm>
           <a:prstGeom prst="rect">
             <a:avLst/>
@@ -17469,7 +17469,7 @@
         <p:txBody>
           <a:bodyPr/>
           <a:p>
-            <a:fld id="{4633ACDA-0AA4-4797-9B4B-0A6062D370AB}" type="slidenum">
+            <a:fld id="{E79BA09C-6F06-4E20-AE6B-0B7EC49EF7F4}" type="slidenum">
               <a:t>&lt;#&gt;</a:t>
             </a:fld>
           </a:p>
@@ -17531,7 +17531,7 @@
         <p:spPr>
           <a:xfrm>
             <a:off x="677160" y="609480"/>
-            <a:ext cx="8595720" cy="1319760"/>
+            <a:ext cx="8595000" cy="1319040"/>
           </a:xfrm>
           <a:prstGeom prst="rect">
             <a:avLst/>
@@ -17725,7 +17725,7 @@
         <p:txBody>
           <a:bodyPr/>
           <a:p>
-            <a:fld id="{B207FEC4-3BBE-4030-BECB-19B815A283AA}" type="slidenum">
+            <a:fld id="{3938DEC6-FF1D-4B88-B748-2D2A6613A629}" type="slidenum">
               <a:t>&lt;#&gt;</a:t>
             </a:fld>
           </a:p>
@@ -17787,7 +17787,7 @@
         <p:spPr>
           <a:xfrm>
             <a:off x="677160" y="609480"/>
-            <a:ext cx="8595720" cy="1319760"/>
+            <a:ext cx="8595000" cy="1319040"/>
           </a:xfrm>
           <a:prstGeom prst="rect">
             <a:avLst/>
@@ -18049,7 +18049,7 @@
         <p:txBody>
           <a:bodyPr/>
           <a:p>
-            <a:fld id="{1C5FDA5B-F82E-4132-8509-056C94D6F8B5}" type="slidenum">
+            <a:fld id="{6CD09ABC-5326-46E9-BEF3-7FA57ED89EAE}" type="slidenum">
               <a:t>&lt;#&gt;</a:t>
             </a:fld>
           </a:p>
@@ -18114,9 +18114,9 @@
         <p:grpSpPr>
           <a:xfrm>
             <a:off x="0" y="-8640"/>
-            <a:ext cx="12191040" cy="6866640"/>
+            <a:ext cx="12191400" cy="6866640"/>
             <a:chOff x="0" y="-8640"/>
-            <a:chExt cx="12191040" cy="6866640"/>
+            <a:chExt cx="12191400" cy="6866640"/>
           </a:xfrm>
         </p:grpSpPr>
         <p:sp>
@@ -18133,7 +18133,7 @@
             <a:prstGeom prst="line">
               <a:avLst/>
             </a:prstGeom>
-            <a:ln cap="rnd" w="9360">
+            <a:ln cap="rnd" w="9525">
               <a:solidFill>
                 <a:srgbClr val="5fcbef">
                   <a:alpha val="70000"/>
@@ -18143,9 +18143,15 @@
             </a:ln>
           </p:spPr>
           <p:style>
-            <a:lnRef idx="0"/>
-            <a:fillRef idx="0"/>
-            <a:effectRef idx="0"/>
+            <a:lnRef idx="2">
+              <a:schemeClr val="accent1"/>
+            </a:lnRef>
+            <a:fillRef idx="0">
+              <a:schemeClr val="accent1"/>
+            </a:fillRef>
+            <a:effectRef idx="1">
+              <a:schemeClr val="accent1"/>
+            </a:effectRef>
             <a:fontRef idx="minor"/>
           </p:style>
         </p:sp>
@@ -18163,7 +18169,7 @@
             <a:prstGeom prst="line">
               <a:avLst/>
             </a:prstGeom>
-            <a:ln cap="rnd" w="9360">
+            <a:ln cap="rnd" w="9525">
               <a:solidFill>
                 <a:srgbClr val="5fcbef">
                   <a:alpha val="70000"/>
@@ -18173,9 +18179,15 @@
             </a:ln>
           </p:spPr>
           <p:style>
-            <a:lnRef idx="0"/>
-            <a:fillRef idx="0"/>
-            <a:effectRef idx="0"/>
+            <a:lnRef idx="2">
+              <a:schemeClr val="accent1"/>
+            </a:lnRef>
+            <a:fillRef idx="0">
+              <a:schemeClr val="accent1"/>
+            </a:fillRef>
+            <a:effectRef idx="1">
+              <a:schemeClr val="accent1"/>
+            </a:effectRef>
             <a:fontRef idx="minor"/>
           </p:style>
         </p:sp>
@@ -18188,7 +18200,7 @@
           <p:spPr>
             <a:xfrm>
               <a:off x="9181440" y="-8640"/>
-              <a:ext cx="3006360" cy="6865560"/>
+              <a:ext cx="3006720" cy="6865920"/>
             </a:xfrm>
             <a:custGeom>
               <a:avLst/>
@@ -18217,11 +18229,11 @@
               </a:pathLst>
             </a:custGeom>
             <a:solidFill>
-              <a:srgbClr val="5fcbef">
+              <a:schemeClr val="accent1">
                 <a:alpha val="36000"/>
-              </a:srgbClr>
+              </a:schemeClr>
             </a:solidFill>
-            <a:ln w="12600">
+            <a:ln>
               <a:noFill/>
             </a:ln>
             <a:effectLst>
@@ -18233,9 +18245,15 @@
             </a:effectLst>
           </p:spPr>
           <p:style>
-            <a:lnRef idx="0"/>
-            <a:fillRef idx="0"/>
-            <a:effectRef idx="0"/>
+            <a:lnRef idx="1">
+              <a:schemeClr val="accent1"/>
+            </a:lnRef>
+            <a:fillRef idx="3">
+              <a:schemeClr val="accent1"/>
+            </a:fillRef>
+            <a:effectRef idx="2">
+              <a:schemeClr val="accent1"/>
+            </a:effectRef>
             <a:fontRef idx="minor"/>
           </p:style>
         </p:sp>
@@ -18248,7 +18266,7 @@
           <p:spPr>
             <a:xfrm>
               <a:off x="9603360" y="-8640"/>
-              <a:ext cx="2587320" cy="6865560"/>
+              <a:ext cx="2587680" cy="6865920"/>
             </a:xfrm>
             <a:custGeom>
               <a:avLst/>
@@ -18277,11 +18295,11 @@
               </a:pathLst>
             </a:custGeom>
             <a:solidFill>
-              <a:srgbClr val="5fcbef">
+              <a:schemeClr val="accent1">
                 <a:alpha val="20000"/>
-              </a:srgbClr>
+              </a:schemeClr>
             </a:solidFill>
-            <a:ln w="12600">
+            <a:ln>
               <a:noFill/>
             </a:ln>
             <a:effectLst>
@@ -18293,9 +18311,15 @@
             </a:effectLst>
           </p:spPr>
           <p:style>
-            <a:lnRef idx="0"/>
-            <a:fillRef idx="0"/>
-            <a:effectRef idx="0"/>
+            <a:lnRef idx="1">
+              <a:schemeClr val="accent1"/>
+            </a:lnRef>
+            <a:fillRef idx="3">
+              <a:schemeClr val="accent1"/>
+            </a:fillRef>
+            <a:effectRef idx="2">
+              <a:schemeClr val="accent1"/>
+            </a:effectRef>
             <a:fontRef idx="minor"/>
           </p:style>
         </p:sp>
@@ -18308,7 +18332,7 @@
           <p:spPr>
             <a:xfrm>
               <a:off x="8932320" y="3048120"/>
-              <a:ext cx="3258720" cy="3808800"/>
+              <a:ext cx="3259080" cy="3809160"/>
             </a:xfrm>
             <a:prstGeom prst="triangle">
               <a:avLst>
@@ -18316,11 +18340,12 @@
               </a:avLst>
             </a:prstGeom>
             <a:solidFill>
-              <a:srgbClr val="17b0e4">
+              <a:schemeClr val="accent1">
+                <a:lumMod val="75000"/>
                 <a:alpha val="66000"/>
-              </a:srgbClr>
+              </a:schemeClr>
             </a:solidFill>
-            <a:ln w="12600">
+            <a:ln>
               <a:noFill/>
             </a:ln>
             <a:effectLst>
@@ -18332,9 +18357,15 @@
             </a:effectLst>
           </p:spPr>
           <p:style>
-            <a:lnRef idx="0"/>
-            <a:fillRef idx="0"/>
-            <a:effectRef idx="0"/>
+            <a:lnRef idx="1">
+              <a:schemeClr val="accent1"/>
+            </a:lnRef>
+            <a:fillRef idx="3">
+              <a:schemeClr val="accent1"/>
+            </a:fillRef>
+            <a:effectRef idx="2">
+              <a:schemeClr val="accent1"/>
+            </a:effectRef>
             <a:fontRef idx="minor"/>
           </p:style>
         </p:sp>
@@ -18347,7 +18378,7 @@
           <p:spPr>
             <a:xfrm>
               <a:off x="9334440" y="-8640"/>
-              <a:ext cx="2853360" cy="6865560"/>
+              <a:ext cx="2853720" cy="6865920"/>
             </a:xfrm>
             <a:custGeom>
               <a:avLst/>
@@ -18376,11 +18407,12 @@
               </a:pathLst>
             </a:custGeom>
             <a:solidFill>
-              <a:srgbClr val="17b0e4">
+              <a:schemeClr val="accent1">
+                <a:lumMod val="75000"/>
                 <a:alpha val="50000"/>
-              </a:srgbClr>
+              </a:schemeClr>
             </a:solidFill>
-            <a:ln w="12600">
+            <a:ln>
               <a:noFill/>
             </a:ln>
             <a:effectLst>
@@ -18392,9 +18424,15 @@
             </a:effectLst>
           </p:spPr>
           <p:style>
-            <a:lnRef idx="0"/>
-            <a:fillRef idx="0"/>
-            <a:effectRef idx="0"/>
+            <a:lnRef idx="1">
+              <a:schemeClr val="accent1"/>
+            </a:lnRef>
+            <a:fillRef idx="3">
+              <a:schemeClr val="accent1"/>
+            </a:fillRef>
+            <a:effectRef idx="2">
+              <a:schemeClr val="accent1"/>
+            </a:effectRef>
             <a:fontRef idx="minor"/>
           </p:style>
         </p:sp>
@@ -18407,7 +18445,7 @@
           <p:spPr>
             <a:xfrm>
               <a:off x="10898640" y="-8640"/>
-              <a:ext cx="1289160" cy="6865560"/>
+              <a:ext cx="1289520" cy="6865920"/>
             </a:xfrm>
             <a:custGeom>
               <a:avLst/>
@@ -18436,11 +18474,11 @@
               </a:pathLst>
             </a:custGeom>
             <a:solidFill>
-              <a:srgbClr val="2e83c3">
+              <a:schemeClr val="accent2">
                 <a:alpha val="70000"/>
-              </a:srgbClr>
+              </a:schemeClr>
             </a:solidFill>
-            <a:ln w="12600">
+            <a:ln>
               <a:noFill/>
             </a:ln>
             <a:effectLst>
@@ -18452,9 +18490,15 @@
             </a:effectLst>
           </p:spPr>
           <p:style>
-            <a:lnRef idx="0"/>
-            <a:fillRef idx="0"/>
-            <a:effectRef idx="0"/>
+            <a:lnRef idx="1">
+              <a:schemeClr val="accent1"/>
+            </a:lnRef>
+            <a:fillRef idx="3">
+              <a:schemeClr val="accent1"/>
+            </a:fillRef>
+            <a:effectRef idx="2">
+              <a:schemeClr val="accent1"/>
+            </a:effectRef>
             <a:fontRef idx="minor"/>
           </p:style>
         </p:sp>
@@ -18467,7 +18511,7 @@
           <p:spPr>
             <a:xfrm>
               <a:off x="10938960" y="-8640"/>
-              <a:ext cx="1248840" cy="6865560"/>
+              <a:ext cx="1249200" cy="6865920"/>
             </a:xfrm>
             <a:custGeom>
               <a:avLst/>
@@ -18496,11 +18540,12 @@
               </a:pathLst>
             </a:custGeom>
             <a:solidFill>
-              <a:srgbClr val="226292">
+              <a:schemeClr val="accent2">
+                <a:lumMod val="75000"/>
                 <a:alpha val="80000"/>
-              </a:srgbClr>
+              </a:schemeClr>
             </a:solidFill>
-            <a:ln w="12600">
+            <a:ln>
               <a:noFill/>
             </a:ln>
             <a:effectLst>
@@ -18512,9 +18557,15 @@
             </a:effectLst>
           </p:spPr>
           <p:style>
-            <a:lnRef idx="0"/>
-            <a:fillRef idx="0"/>
-            <a:effectRef idx="0"/>
+            <a:lnRef idx="1">
+              <a:schemeClr val="accent1"/>
+            </a:lnRef>
+            <a:fillRef idx="3">
+              <a:schemeClr val="accent1"/>
+            </a:fillRef>
+            <a:effectRef idx="2">
+              <a:schemeClr val="accent1"/>
+            </a:effectRef>
             <a:fontRef idx="minor"/>
           </p:style>
         </p:sp>
@@ -18527,7 +18578,7 @@
           <p:spPr>
             <a:xfrm>
               <a:off x="10371600" y="3589920"/>
-              <a:ext cx="1816200" cy="3267000"/>
+              <a:ext cx="1816560" cy="3267360"/>
             </a:xfrm>
             <a:prstGeom prst="triangle">
               <a:avLst>
@@ -18535,11 +18586,12 @@
               </a:avLst>
             </a:prstGeom>
             <a:solidFill>
-              <a:srgbClr val="17b0e4">
+              <a:schemeClr val="accent1">
+                <a:lumMod val="75000"/>
                 <a:alpha val="66000"/>
-              </a:srgbClr>
+              </a:schemeClr>
             </a:solidFill>
-            <a:ln w="12600">
+            <a:ln>
               <a:noFill/>
             </a:ln>
             <a:effectLst>
@@ -18551,9 +18603,15 @@
             </a:effectLst>
           </p:spPr>
           <p:style>
-            <a:lnRef idx="0"/>
-            <a:fillRef idx="0"/>
-            <a:effectRef idx="0"/>
+            <a:lnRef idx="1">
+              <a:schemeClr val="accent1"/>
+            </a:lnRef>
+            <a:fillRef idx="3">
+              <a:schemeClr val="accent1"/>
+            </a:fillRef>
+            <a:effectRef idx="2">
+              <a:schemeClr val="accent1"/>
+            </a:effectRef>
             <a:fontRef idx="minor"/>
           </p:style>
         </p:sp>
@@ -18566,7 +18624,7 @@
           <p:spPr>
             <a:xfrm>
               <a:off x="0" y="4013280"/>
-              <a:ext cx="447480" cy="2843640"/>
+              <a:ext cx="447840" cy="2844000"/>
             </a:xfrm>
             <a:prstGeom prst="triangle">
               <a:avLst>
@@ -18574,11 +18632,11 @@
               </a:avLst>
             </a:prstGeom>
             <a:solidFill>
-              <a:srgbClr val="5fcbef">
+              <a:schemeClr val="accent1">
                 <a:alpha val="70000"/>
-              </a:srgbClr>
+              </a:schemeClr>
             </a:solidFill>
-            <a:ln w="12600">
+            <a:ln>
               <a:noFill/>
             </a:ln>
             <a:effectLst>
@@ -18590,9 +18648,15 @@
             </a:effectLst>
           </p:spPr>
           <p:style>
-            <a:lnRef idx="0"/>
-            <a:fillRef idx="0"/>
-            <a:effectRef idx="0"/>
+            <a:lnRef idx="1">
+              <a:schemeClr val="accent1"/>
+            </a:lnRef>
+            <a:fillRef idx="3">
+              <a:schemeClr val="accent1"/>
+            </a:fillRef>
+            <a:effectRef idx="2">
+              <a:schemeClr val="accent1"/>
+            </a:effectRef>
             <a:fontRef idx="minor"/>
           </p:style>
         </p:sp>
@@ -18606,9 +18670,9 @@
         <p:grpSpPr>
           <a:xfrm>
             <a:off x="0" y="-8640"/>
-            <a:ext cx="12191040" cy="6866640"/>
+            <a:ext cx="12191400" cy="6866640"/>
             <a:chOff x="0" y="-8640"/>
-            <a:chExt cx="12191040" cy="6866640"/>
+            <a:chExt cx="12191400" cy="6866640"/>
           </a:xfrm>
         </p:grpSpPr>
         <p:sp>
@@ -18620,7 +18684,7 @@
           <p:spPr>
             <a:xfrm>
               <a:off x="0" y="-7920"/>
-              <a:ext cx="862560" cy="5697000"/>
+              <a:ext cx="862920" cy="5697360"/>
             </a:xfrm>
             <a:custGeom>
               <a:avLst/>
@@ -18649,11 +18713,11 @@
               </a:pathLst>
             </a:custGeom>
             <a:solidFill>
-              <a:srgbClr val="5fcbef">
+              <a:schemeClr val="accent1">
                 <a:alpha val="70000"/>
-              </a:srgbClr>
+              </a:schemeClr>
             </a:solidFill>
-            <a:ln w="12600">
+            <a:ln>
               <a:noFill/>
             </a:ln>
             <a:effectLst>
@@ -18665,9 +18729,15 @@
             </a:effectLst>
           </p:spPr>
           <p:style>
-            <a:lnRef idx="0"/>
-            <a:fillRef idx="0"/>
-            <a:effectRef idx="0"/>
+            <a:lnRef idx="1">
+              <a:schemeClr val="accent1"/>
+            </a:lnRef>
+            <a:fillRef idx="3">
+              <a:schemeClr val="accent1"/>
+            </a:fillRef>
+            <a:effectRef idx="2">
+              <a:schemeClr val="accent1"/>
+            </a:effectRef>
             <a:fontRef idx="minor"/>
           </p:style>
         </p:sp>
@@ -18685,7 +18755,7 @@
             <a:prstGeom prst="line">
               <a:avLst/>
             </a:prstGeom>
-            <a:ln cap="rnd" w="9360">
+            <a:ln cap="rnd" w="9525">
               <a:solidFill>
                 <a:srgbClr val="5fcbef">
                   <a:alpha val="70000"/>
@@ -18695,9 +18765,15 @@
             </a:ln>
           </p:spPr>
           <p:style>
-            <a:lnRef idx="0"/>
-            <a:fillRef idx="0"/>
-            <a:effectRef idx="0"/>
+            <a:lnRef idx="2">
+              <a:schemeClr val="accent1"/>
+            </a:lnRef>
+            <a:fillRef idx="0">
+              <a:schemeClr val="accent1"/>
+            </a:fillRef>
+            <a:effectRef idx="1">
+              <a:schemeClr val="accent1"/>
+            </a:effectRef>
             <a:fontRef idx="minor"/>
           </p:style>
         </p:sp>
@@ -18715,7 +18791,7 @@
             <a:prstGeom prst="line">
               <a:avLst/>
             </a:prstGeom>
-            <a:ln cap="rnd" w="9360">
+            <a:ln cap="rnd" w="9525">
               <a:solidFill>
                 <a:srgbClr val="5fcbef">
                   <a:alpha val="70000"/>
@@ -18725,9 +18801,15 @@
             </a:ln>
           </p:spPr>
           <p:style>
-            <a:lnRef idx="0"/>
-            <a:fillRef idx="0"/>
-            <a:effectRef idx="0"/>
+            <a:lnRef idx="2">
+              <a:schemeClr val="accent1"/>
+            </a:lnRef>
+            <a:fillRef idx="0">
+              <a:schemeClr val="accent1"/>
+            </a:fillRef>
+            <a:effectRef idx="1">
+              <a:schemeClr val="accent1"/>
+            </a:effectRef>
             <a:fontRef idx="minor"/>
           </p:style>
         </p:sp>
@@ -18740,7 +18822,7 @@
           <p:spPr>
             <a:xfrm>
               <a:off x="9181440" y="-8640"/>
-              <a:ext cx="3006360" cy="6865560"/>
+              <a:ext cx="3006720" cy="6865920"/>
             </a:xfrm>
             <a:custGeom>
               <a:avLst/>
@@ -18769,11 +18851,11 @@
               </a:pathLst>
             </a:custGeom>
             <a:solidFill>
-              <a:srgbClr val="5fcbef">
+              <a:schemeClr val="accent1">
                 <a:alpha val="36000"/>
-              </a:srgbClr>
+              </a:schemeClr>
             </a:solidFill>
-            <a:ln w="12600">
+            <a:ln>
               <a:noFill/>
             </a:ln>
             <a:effectLst>
@@ -18785,9 +18867,15 @@
             </a:effectLst>
           </p:spPr>
           <p:style>
-            <a:lnRef idx="0"/>
-            <a:fillRef idx="0"/>
-            <a:effectRef idx="0"/>
+            <a:lnRef idx="1">
+              <a:schemeClr val="accent1"/>
+            </a:lnRef>
+            <a:fillRef idx="3">
+              <a:schemeClr val="accent1"/>
+            </a:fillRef>
+            <a:effectRef idx="2">
+              <a:schemeClr val="accent1"/>
+            </a:effectRef>
             <a:fontRef idx="minor"/>
           </p:style>
         </p:sp>
@@ -18800,7 +18888,7 @@
           <p:spPr>
             <a:xfrm>
               <a:off x="9603360" y="-8640"/>
-              <a:ext cx="2587320" cy="6865560"/>
+              <a:ext cx="2587680" cy="6865920"/>
             </a:xfrm>
             <a:custGeom>
               <a:avLst/>
@@ -18829,11 +18917,11 @@
               </a:pathLst>
             </a:custGeom>
             <a:solidFill>
-              <a:srgbClr val="5fcbef">
+              <a:schemeClr val="accent1">
                 <a:alpha val="20000"/>
-              </a:srgbClr>
+              </a:schemeClr>
             </a:solidFill>
-            <a:ln w="12600">
+            <a:ln>
               <a:noFill/>
             </a:ln>
             <a:effectLst>
@@ -18845,9 +18933,15 @@
             </a:effectLst>
           </p:spPr>
           <p:style>
-            <a:lnRef idx="0"/>
-            <a:fillRef idx="0"/>
-            <a:effectRef idx="0"/>
+            <a:lnRef idx="1">
+              <a:schemeClr val="accent1"/>
+            </a:lnRef>
+            <a:fillRef idx="3">
+              <a:schemeClr val="accent1"/>
+            </a:fillRef>
+            <a:effectRef idx="2">
+              <a:schemeClr val="accent1"/>
+            </a:effectRef>
             <a:fontRef idx="minor"/>
           </p:style>
         </p:sp>
@@ -18860,7 +18954,7 @@
           <p:spPr>
             <a:xfrm>
               <a:off x="8932320" y="3048120"/>
-              <a:ext cx="3258720" cy="3808800"/>
+              <a:ext cx="3259080" cy="3809160"/>
             </a:xfrm>
             <a:prstGeom prst="triangle">
               <a:avLst>
@@ -18868,11 +18962,12 @@
               </a:avLst>
             </a:prstGeom>
             <a:solidFill>
-              <a:srgbClr val="17b0e4">
+              <a:schemeClr val="accent1">
+                <a:lumMod val="75000"/>
                 <a:alpha val="66000"/>
-              </a:srgbClr>
+              </a:schemeClr>
             </a:solidFill>
-            <a:ln w="12600">
+            <a:ln>
               <a:noFill/>
             </a:ln>
             <a:effectLst>
@@ -18884,9 +18979,15 @@
             </a:effectLst>
           </p:spPr>
           <p:style>
-            <a:lnRef idx="0"/>
-            <a:fillRef idx="0"/>
-            <a:effectRef idx="0"/>
+            <a:lnRef idx="1">
+              <a:schemeClr val="accent1"/>
+            </a:lnRef>
+            <a:fillRef idx="3">
+              <a:schemeClr val="accent1"/>
+            </a:fillRef>
+            <a:effectRef idx="2">
+              <a:schemeClr val="accent1"/>
+            </a:effectRef>
             <a:fontRef idx="minor"/>
           </p:style>
         </p:sp>
@@ -18899,7 +19000,7 @@
           <p:spPr>
             <a:xfrm>
               <a:off x="9334440" y="-8640"/>
-              <a:ext cx="2853360" cy="6865560"/>
+              <a:ext cx="2853720" cy="6865920"/>
             </a:xfrm>
             <a:custGeom>
               <a:avLst/>
@@ -18928,11 +19029,12 @@
               </a:pathLst>
             </a:custGeom>
             <a:solidFill>
-              <a:srgbClr val="17b0e4">
+              <a:schemeClr val="accent1">
+                <a:lumMod val="75000"/>
                 <a:alpha val="50000"/>
-              </a:srgbClr>
+              </a:schemeClr>
             </a:solidFill>
-            <a:ln w="12600">
+            <a:ln>
               <a:noFill/>
             </a:ln>
             <a:effectLst>
@@ -18944,9 +19046,15 @@
             </a:effectLst>
           </p:spPr>
           <p:style>
-            <a:lnRef idx="0"/>
-            <a:fillRef idx="0"/>
-            <a:effectRef idx="0"/>
+            <a:lnRef idx="1">
+              <a:schemeClr val="accent1"/>
+            </a:lnRef>
+            <a:fillRef idx="3">
+              <a:schemeClr val="accent1"/>
+            </a:fillRef>
+            <a:effectRef idx="2">
+              <a:schemeClr val="accent1"/>
+            </a:effectRef>
             <a:fontRef idx="minor"/>
           </p:style>
         </p:sp>
@@ -18959,7 +19067,7 @@
           <p:spPr>
             <a:xfrm>
               <a:off x="10898640" y="-8640"/>
-              <a:ext cx="1289160" cy="6865560"/>
+              <a:ext cx="1289520" cy="6865920"/>
             </a:xfrm>
             <a:custGeom>
               <a:avLst/>
@@ -18988,11 +19096,11 @@
               </a:pathLst>
             </a:custGeom>
             <a:solidFill>
-              <a:srgbClr val="2e83c3">
+              <a:schemeClr val="accent2">
                 <a:alpha val="70000"/>
-              </a:srgbClr>
+              </a:schemeClr>
             </a:solidFill>
-            <a:ln w="12600">
+            <a:ln>
               <a:noFill/>
             </a:ln>
             <a:effectLst>
@@ -19004,9 +19112,15 @@
             </a:effectLst>
           </p:spPr>
           <p:style>
-            <a:lnRef idx="0"/>
-            <a:fillRef idx="0"/>
-            <a:effectRef idx="0"/>
+            <a:lnRef idx="1">
+              <a:schemeClr val="accent1"/>
+            </a:lnRef>
+            <a:fillRef idx="3">
+              <a:schemeClr val="accent1"/>
+            </a:fillRef>
+            <a:effectRef idx="2">
+              <a:schemeClr val="accent1"/>
+            </a:effectRef>
             <a:fontRef idx="minor"/>
           </p:style>
         </p:sp>
@@ -19019,7 +19133,7 @@
           <p:spPr>
             <a:xfrm>
               <a:off x="10938960" y="-8640"/>
-              <a:ext cx="1248840" cy="6865560"/>
+              <a:ext cx="1249200" cy="6865920"/>
             </a:xfrm>
             <a:custGeom>
               <a:avLst/>
@@ -19048,11 +19162,12 @@
               </a:pathLst>
             </a:custGeom>
             <a:solidFill>
-              <a:srgbClr val="226292">
+              <a:schemeClr val="accent2">
+                <a:lumMod val="75000"/>
                 <a:alpha val="80000"/>
-              </a:srgbClr>
+              </a:schemeClr>
             </a:solidFill>
-            <a:ln w="12600">
+            <a:ln>
               <a:noFill/>
             </a:ln>
             <a:effectLst>
@@ -19064,9 +19179,15 @@
             </a:effectLst>
           </p:spPr>
           <p:style>
-            <a:lnRef idx="0"/>
-            <a:fillRef idx="0"/>
-            <a:effectRef idx="0"/>
+            <a:lnRef idx="1">
+              <a:schemeClr val="accent1"/>
+            </a:lnRef>
+            <a:fillRef idx="3">
+              <a:schemeClr val="accent1"/>
+            </a:fillRef>
+            <a:effectRef idx="2">
+              <a:schemeClr val="accent1"/>
+            </a:effectRef>
             <a:fontRef idx="minor"/>
           </p:style>
         </p:sp>
@@ -19079,7 +19200,7 @@
           <p:spPr>
             <a:xfrm>
               <a:off x="10371600" y="3589920"/>
-              <a:ext cx="1816200" cy="3267000"/>
+              <a:ext cx="1816560" cy="3267360"/>
             </a:xfrm>
             <a:prstGeom prst="triangle">
               <a:avLst>
@@ -19087,11 +19208,12 @@
               </a:avLst>
             </a:prstGeom>
             <a:solidFill>
-              <a:srgbClr val="17b0e4">
+              <a:schemeClr val="accent1">
+                <a:lumMod val="75000"/>
                 <a:alpha val="66000"/>
-              </a:srgbClr>
+              </a:schemeClr>
             </a:solidFill>
-            <a:ln w="12600">
+            <a:ln>
               <a:noFill/>
             </a:ln>
             <a:effectLst>
@@ -19103,9 +19225,15 @@
             </a:effectLst>
           </p:spPr>
           <p:style>
-            <a:lnRef idx="0"/>
-            <a:fillRef idx="0"/>
-            <a:effectRef idx="0"/>
+            <a:lnRef idx="1">
+              <a:schemeClr val="accent1"/>
+            </a:lnRef>
+            <a:fillRef idx="3">
+              <a:schemeClr val="accent1"/>
+            </a:fillRef>
+            <a:effectRef idx="2">
+              <a:schemeClr val="accent1"/>
+            </a:effectRef>
             <a:fontRef idx="minor"/>
           </p:style>
         </p:sp>
@@ -19123,7 +19251,7 @@
         <p:spPr>
           <a:xfrm>
             <a:off x="677160" y="609480"/>
-            <a:ext cx="8595720" cy="1319760"/>
+            <a:ext cx="8595000" cy="1319040"/>
           </a:xfrm>
           <a:prstGeom prst="rect">
             <a:avLst/>
@@ -19157,196 +19285,13 @@
             <a:spLocks noGrp="1"/>
           </p:cNvSpPr>
           <p:nvPr>
-            <p:ph type="body"/>
-          </p:nvPr>
-        </p:nvSpPr>
-        <p:spPr>
-          <a:xfrm>
-            <a:off x="609480" y="1604520"/>
-            <a:ext cx="10972080" cy="3976920"/>
-          </a:xfrm>
-          <a:prstGeom prst="rect">
-            <a:avLst/>
-          </a:prstGeom>
-          <a:noFill/>
-          <a:ln w="0">
-            <a:noFill/>
-          </a:ln>
-        </p:spPr>
-        <p:txBody>
-          <a:bodyPr lIns="0" rIns="0" tIns="0" bIns="0" anchor="t">
-            <a:normAutofit/>
-          </a:bodyPr>
-          <a:p>
-            <a:pPr marL="432000" indent="-324000">
-              <a:spcBef>
-                <a:spcPts val="1417"/>
-              </a:spcBef>
-              <a:buClr>
-                <a:srgbClr val="000000"/>
-              </a:buClr>
-              <a:buSzPct val="45000"/>
-              <a:buFont typeface="Wingdings" charset="2"/>
-              <a:buChar char=""/>
-            </a:pPr>
-            <a:r>
-              <a:rPr b="0" lang="en-GB" sz="1800" spc="-1" strike="noStrike">
-                <a:latin typeface="Arial"/>
-              </a:rPr>
-              <a:t>Click to edit the outline text format</a:t>
-            </a:r>
-            <a:endParaRPr b="0" lang="en-GB" sz="1800" spc="-1" strike="noStrike">
-              <a:latin typeface="Arial"/>
-            </a:endParaRPr>
-          </a:p>
-          <a:p>
-            <a:pPr lvl="1" marL="864000" indent="-324000">
-              <a:spcBef>
-                <a:spcPts val="1134"/>
-              </a:spcBef>
-              <a:buClr>
-                <a:srgbClr val="000000"/>
-              </a:buClr>
-              <a:buSzPct val="75000"/>
-              <a:buFont typeface="Symbol" charset="2"/>
-              <a:buChar char=""/>
-            </a:pPr>
-            <a:r>
-              <a:rPr b="0" lang="en-GB" sz="1800" spc="-1" strike="noStrike">
-                <a:latin typeface="Arial"/>
-              </a:rPr>
-              <a:t>Second Outline Level</a:t>
-            </a:r>
-            <a:endParaRPr b="0" lang="en-GB" sz="1800" spc="-1" strike="noStrike">
-              <a:latin typeface="Arial"/>
-            </a:endParaRPr>
-          </a:p>
-          <a:p>
-            <a:pPr lvl="2" marL="1296000" indent="-288000">
-              <a:spcBef>
-                <a:spcPts val="850"/>
-              </a:spcBef>
-              <a:buClr>
-                <a:srgbClr val="000000"/>
-              </a:buClr>
-              <a:buSzPct val="45000"/>
-              <a:buFont typeface="Wingdings" charset="2"/>
-              <a:buChar char=""/>
-            </a:pPr>
-            <a:r>
-              <a:rPr b="0" lang="en-GB" sz="1800" spc="-1" strike="noStrike">
-                <a:latin typeface="Arial"/>
-              </a:rPr>
-              <a:t>Third Outline Level</a:t>
-            </a:r>
-            <a:endParaRPr b="0" lang="en-GB" sz="1800" spc="-1" strike="noStrike">
-              <a:latin typeface="Arial"/>
-            </a:endParaRPr>
-          </a:p>
-          <a:p>
-            <a:pPr lvl="3" marL="1728000" indent="-216000">
-              <a:spcBef>
-                <a:spcPts val="567"/>
-              </a:spcBef>
-              <a:buClr>
-                <a:srgbClr val="000000"/>
-              </a:buClr>
-              <a:buSzPct val="75000"/>
-              <a:buFont typeface="Symbol" charset="2"/>
-              <a:buChar char=""/>
-            </a:pPr>
-            <a:r>
-              <a:rPr b="0" lang="en-GB" sz="1800" spc="-1" strike="noStrike">
-                <a:latin typeface="Arial"/>
-              </a:rPr>
-              <a:t>Fourth Outline Level</a:t>
-            </a:r>
-            <a:endParaRPr b="0" lang="en-GB" sz="1800" spc="-1" strike="noStrike">
-              <a:latin typeface="Arial"/>
-            </a:endParaRPr>
-          </a:p>
-          <a:p>
-            <a:pPr lvl="4" marL="2160000" indent="-216000">
-              <a:spcBef>
-                <a:spcPts val="283"/>
-              </a:spcBef>
-              <a:buClr>
-                <a:srgbClr val="000000"/>
-              </a:buClr>
-              <a:buSzPct val="45000"/>
-              <a:buFont typeface="Wingdings" charset="2"/>
-              <a:buChar char=""/>
-            </a:pPr>
-            <a:r>
-              <a:rPr b="0" lang="en-GB" sz="1800" spc="-1" strike="noStrike">
-                <a:latin typeface="Arial"/>
-              </a:rPr>
-              <a:t>Fifth Outline Level</a:t>
-            </a:r>
-            <a:endParaRPr b="0" lang="en-GB" sz="1800" spc="-1" strike="noStrike">
-              <a:latin typeface="Arial"/>
-            </a:endParaRPr>
-          </a:p>
-          <a:p>
-            <a:pPr lvl="5" marL="2592000" indent="-216000">
-              <a:spcBef>
-                <a:spcPts val="283"/>
-              </a:spcBef>
-              <a:buClr>
-                <a:srgbClr val="000000"/>
-              </a:buClr>
-              <a:buSzPct val="45000"/>
-              <a:buFont typeface="Wingdings" charset="2"/>
-              <a:buChar char=""/>
-            </a:pPr>
-            <a:r>
-              <a:rPr b="0" lang="en-GB" sz="1800" spc="-1" strike="noStrike">
-                <a:latin typeface="Arial"/>
-              </a:rPr>
-              <a:t>Sixth Outline Level</a:t>
-            </a:r>
-            <a:endParaRPr b="0" lang="en-GB" sz="1800" spc="-1" strike="noStrike">
-              <a:latin typeface="Arial"/>
-            </a:endParaRPr>
-          </a:p>
-          <a:p>
-            <a:pPr lvl="6" marL="3024000" indent="-216000">
-              <a:spcBef>
-                <a:spcPts val="283"/>
-              </a:spcBef>
-              <a:buClr>
-                <a:srgbClr val="000000"/>
-              </a:buClr>
-              <a:buSzPct val="45000"/>
-              <a:buFont typeface="Wingdings" charset="2"/>
-              <a:buChar char=""/>
-            </a:pPr>
-            <a:r>
-              <a:rPr b="0" lang="en-GB" sz="1800" spc="-1" strike="noStrike">
-                <a:latin typeface="Arial"/>
-              </a:rPr>
-              <a:t>Seventh Outline Level</a:t>
-            </a:r>
-            <a:endParaRPr b="0" lang="en-GB" sz="1800" spc="-1" strike="noStrike">
-              <a:latin typeface="Arial"/>
-            </a:endParaRPr>
-          </a:p>
-        </p:txBody>
-      </p:sp>
-      <p:sp>
-        <p:nvSpPr>
-          <p:cNvPr id="24" name="PlaceHolder 3"/>
-          <p:cNvSpPr>
-            <a:spLocks noGrp="1"/>
-          </p:cNvSpPr>
-          <p:nvPr>
             <p:ph type="ftr" idx="1"/>
           </p:nvPr>
         </p:nvSpPr>
         <p:spPr>
           <a:xfrm>
             <a:off x="677160" y="6041520"/>
-            <a:ext cx="6296400" cy="363960"/>
+            <a:ext cx="6296760" cy="364320"/>
           </a:xfrm>
           <a:prstGeom prst="rect">
             <a:avLst/>
@@ -19382,7 +19327,7 @@
               <a:rPr b="0" lang="en-GB" sz="1400" spc="-1" strike="noStrike">
                 <a:latin typeface="Times New Roman"/>
               </a:rPr>
-              <a:t>&lt;footer&gt;</a:t>
+              <a:t> </a:t>
             </a:r>
             <a:endParaRPr b="0" lang="en-GB" sz="1400" spc="-1" strike="noStrike">
               <a:latin typeface="Times New Roman"/>
@@ -19392,7 +19337,7 @@
       </p:sp>
       <p:sp>
         <p:nvSpPr>
-          <p:cNvPr id="25" name="PlaceHolder 4"/>
+          <p:cNvPr id="24" name="PlaceHolder 3"/>
           <p:cNvSpPr>
             <a:spLocks noGrp="1"/>
           </p:cNvSpPr>
@@ -19403,7 +19348,7 @@
         <p:spPr>
           <a:xfrm>
             <a:off x="8590680" y="6041520"/>
-            <a:ext cx="682200" cy="363960"/>
+            <a:ext cx="682560" cy="364320"/>
           </a:xfrm>
           <a:prstGeom prst="rect">
             <a:avLst/>
@@ -19438,14 +19383,14 @@
               </a:lnSpc>
               <a:buNone/>
             </a:pPr>
-            <a:fld id="{698DBB62-8CE6-4ED6-A0ED-F871281BF66A}" type="slidenum">
+            <a:fld id="{5B0D93F3-7955-4308-9005-A996A94A325F}" type="slidenum">
               <a:rPr b="0" lang="en-US" sz="900" spc="-1" strike="noStrike">
                 <a:solidFill>
                   <a:srgbClr val="5fcbef"/>
                 </a:solidFill>
                 <a:latin typeface="Trebuchet MS"/>
               </a:rPr>
-              <a:t>&lt;number&gt;</a:t>
+              <a:t>1</a:t>
             </a:fld>
             <a:endParaRPr b="0" lang="en-GB" sz="900" spc="-1" strike="noStrike">
               <a:latin typeface="Times New Roman"/>
@@ -19455,7 +19400,7 @@
       </p:sp>
       <p:sp>
         <p:nvSpPr>
-          <p:cNvPr id="26" name="PlaceHolder 5"/>
+          <p:cNvPr id="25" name="PlaceHolder 4"/>
           <p:cNvSpPr>
             <a:spLocks noGrp="1"/>
           </p:cNvSpPr>
@@ -19466,7 +19411,7 @@
         <p:spPr>
           <a:xfrm>
             <a:off x="7205040" y="6041520"/>
-            <a:ext cx="910800" cy="363960"/>
+            <a:ext cx="911160" cy="364320"/>
           </a:xfrm>
           <a:prstGeom prst="rect">
             <a:avLst/>
@@ -19492,10 +19437,193 @@
               <a:rPr b="0" lang="en-GB" sz="1400" spc="-1" strike="noStrike">
                 <a:latin typeface="Times New Roman"/>
               </a:rPr>
-              <a:t>&lt;date/time&gt;</a:t>
+              <a:t> </a:t>
             </a:r>
             <a:endParaRPr b="0" lang="en-GB" sz="1400" spc="-1" strike="noStrike">
               <a:latin typeface="Times New Roman"/>
+            </a:endParaRPr>
+          </a:p>
+        </p:txBody>
+      </p:sp>
+      <p:sp>
+        <p:nvSpPr>
+          <p:cNvPr id="26" name="PlaceHolder 5"/>
+          <p:cNvSpPr>
+            <a:spLocks noGrp="1"/>
+          </p:cNvSpPr>
+          <p:nvPr>
+            <p:ph type="body"/>
+          </p:nvPr>
+        </p:nvSpPr>
+        <p:spPr>
+          <a:xfrm>
+            <a:off x="609480" y="1604520"/>
+            <a:ext cx="10972440" cy="3977280"/>
+          </a:xfrm>
+          <a:prstGeom prst="rect">
+            <a:avLst/>
+          </a:prstGeom>
+          <a:noFill/>
+          <a:ln w="0">
+            <a:noFill/>
+          </a:ln>
+        </p:spPr>
+        <p:txBody>
+          <a:bodyPr lIns="0" rIns="0" tIns="0" bIns="0" anchor="t">
+            <a:normAutofit/>
+          </a:bodyPr>
+          <a:p>
+            <a:pPr marL="432000" indent="-324000">
+              <a:spcBef>
+                <a:spcPts val="1417"/>
+              </a:spcBef>
+              <a:buClr>
+                <a:srgbClr val="000000"/>
+              </a:buClr>
+              <a:buSzPct val="45000"/>
+              <a:buFont typeface="Wingdings" charset="2"/>
+              <a:buChar char=""/>
+            </a:pPr>
+            <a:r>
+              <a:rPr b="0" lang="en-GB" sz="3200" spc="-1" strike="noStrike">
+                <a:latin typeface="Arial"/>
+              </a:rPr>
+              <a:t>Click to edit the outline text format</a:t>
+            </a:r>
+            <a:endParaRPr b="0" lang="en-GB" sz="3200" spc="-1" strike="noStrike">
+              <a:latin typeface="Arial"/>
+            </a:endParaRPr>
+          </a:p>
+          <a:p>
+            <a:pPr lvl="1" marL="864000" indent="-324000">
+              <a:spcBef>
+                <a:spcPts val="1134"/>
+              </a:spcBef>
+              <a:buClr>
+                <a:srgbClr val="000000"/>
+              </a:buClr>
+              <a:buSzPct val="75000"/>
+              <a:buFont typeface="Symbol" charset="2"/>
+              <a:buChar char=""/>
+            </a:pPr>
+            <a:r>
+              <a:rPr b="0" lang="en-GB" sz="2800" spc="-1" strike="noStrike">
+                <a:latin typeface="Arial"/>
+              </a:rPr>
+              <a:t>Second Outline Level</a:t>
+            </a:r>
+            <a:endParaRPr b="0" lang="en-GB" sz="2800" spc="-1" strike="noStrike">
+              <a:latin typeface="Arial"/>
+            </a:endParaRPr>
+          </a:p>
+          <a:p>
+            <a:pPr lvl="2" marL="1296000" indent="-288000">
+              <a:spcBef>
+                <a:spcPts val="850"/>
+              </a:spcBef>
+              <a:buClr>
+                <a:srgbClr val="000000"/>
+              </a:buClr>
+              <a:buSzPct val="45000"/>
+              <a:buFont typeface="Wingdings" charset="2"/>
+              <a:buChar char=""/>
+            </a:pPr>
+            <a:r>
+              <a:rPr b="0" lang="en-GB" sz="2400" spc="-1" strike="noStrike">
+                <a:latin typeface="Arial"/>
+              </a:rPr>
+              <a:t>Third Outline Level</a:t>
+            </a:r>
+            <a:endParaRPr b="0" lang="en-GB" sz="2400" spc="-1" strike="noStrike">
+              <a:latin typeface="Arial"/>
+            </a:endParaRPr>
+          </a:p>
+          <a:p>
+            <a:pPr lvl="3" marL="1728000" indent="-216000">
+              <a:spcBef>
+                <a:spcPts val="567"/>
+              </a:spcBef>
+              <a:buClr>
+                <a:srgbClr val="000000"/>
+              </a:buClr>
+              <a:buSzPct val="75000"/>
+              <a:buFont typeface="Symbol" charset="2"/>
+              <a:buChar char=""/>
+            </a:pPr>
+            <a:r>
+              <a:rPr b="0" lang="en-GB" sz="2000" spc="-1" strike="noStrike">
+                <a:latin typeface="Arial"/>
+              </a:rPr>
+              <a:t>Fourth Outline Level</a:t>
+            </a:r>
+            <a:endParaRPr b="0" lang="en-GB" sz="2000" spc="-1" strike="noStrike">
+              <a:latin typeface="Arial"/>
+            </a:endParaRPr>
+          </a:p>
+          <a:p>
+            <a:pPr lvl="4" marL="2160000" indent="-216000">
+              <a:spcBef>
+                <a:spcPts val="283"/>
+              </a:spcBef>
+              <a:buClr>
+                <a:srgbClr val="000000"/>
+              </a:buClr>
+              <a:buSzPct val="45000"/>
+              <a:buFont typeface="Wingdings" charset="2"/>
+              <a:buChar char=""/>
+            </a:pPr>
+            <a:r>
+              <a:rPr b="0" lang="en-GB" sz="2000" spc="-1" strike="noStrike">
+                <a:latin typeface="Arial"/>
+              </a:rPr>
+              <a:t>Fifth Outline Level</a:t>
+            </a:r>
+            <a:endParaRPr b="0" lang="en-GB" sz="2000" spc="-1" strike="noStrike">
+              <a:latin typeface="Arial"/>
+            </a:endParaRPr>
+          </a:p>
+          <a:p>
+            <a:pPr lvl="5" marL="2592000" indent="-216000">
+              <a:spcBef>
+                <a:spcPts val="283"/>
+              </a:spcBef>
+              <a:buClr>
+                <a:srgbClr val="000000"/>
+              </a:buClr>
+              <a:buSzPct val="45000"/>
+              <a:buFont typeface="Wingdings" charset="2"/>
+              <a:buChar char=""/>
+            </a:pPr>
+            <a:r>
+              <a:rPr b="0" lang="en-GB" sz="2000" spc="-1" strike="noStrike">
+                <a:latin typeface="Arial"/>
+              </a:rPr>
+              <a:t>Sixth Outline Level</a:t>
+            </a:r>
+            <a:endParaRPr b="0" lang="en-GB" sz="2000" spc="-1" strike="noStrike">
+              <a:latin typeface="Arial"/>
+            </a:endParaRPr>
+          </a:p>
+          <a:p>
+            <a:pPr lvl="6" marL="3024000" indent="-216000">
+              <a:spcBef>
+                <a:spcPts val="283"/>
+              </a:spcBef>
+              <a:buClr>
+                <a:srgbClr val="000000"/>
+              </a:buClr>
+              <a:buSzPct val="45000"/>
+              <a:buFont typeface="Wingdings" charset="2"/>
+              <a:buChar char=""/>
+            </a:pPr>
+            <a:r>
+              <a:rPr b="0" lang="en-GB" sz="2000" spc="-1" strike="noStrike">
+                <a:latin typeface="Arial"/>
+              </a:rPr>
+              <a:t>Seventh Outline Level</a:t>
+            </a:r>
+            <a:endParaRPr b="0" lang="en-GB" sz="2000" spc="-1" strike="noStrike">
+              <a:latin typeface="Arial"/>
             </a:endParaRPr>
           </a:p>
         </p:txBody>
@@ -19553,9 +19681,9 @@
         <p:grpSpPr>
           <a:xfrm>
             <a:off x="0" y="-8640"/>
-            <a:ext cx="12191040" cy="6866640"/>
+            <a:ext cx="12190320" cy="6866640"/>
             <a:chOff x="0" y="-8640"/>
-            <a:chExt cx="12191040" cy="6866640"/>
+            <a:chExt cx="12190320" cy="6866640"/>
           </a:xfrm>
         </p:grpSpPr>
         <p:sp>
@@ -19627,7 +19755,7 @@
           <p:spPr>
             <a:xfrm>
               <a:off x="9181440" y="-8640"/>
-              <a:ext cx="3006360" cy="6865560"/>
+              <a:ext cx="3005640" cy="6864840"/>
             </a:xfrm>
             <a:custGeom>
               <a:avLst/>
@@ -19687,7 +19815,7 @@
           <p:spPr>
             <a:xfrm>
               <a:off x="9603360" y="-8640"/>
-              <a:ext cx="2587320" cy="6865560"/>
+              <a:ext cx="2586600" cy="6864840"/>
             </a:xfrm>
             <a:custGeom>
               <a:avLst/>
@@ -19747,7 +19875,7 @@
           <p:spPr>
             <a:xfrm>
               <a:off x="8932320" y="3048120"/>
-              <a:ext cx="3258720" cy="3808800"/>
+              <a:ext cx="3258000" cy="3808080"/>
             </a:xfrm>
             <a:prstGeom prst="triangle">
               <a:avLst>
@@ -19786,7 +19914,7 @@
           <p:spPr>
             <a:xfrm>
               <a:off x="9334440" y="-8640"/>
-              <a:ext cx="2853360" cy="6865560"/>
+              <a:ext cx="2852640" cy="6864840"/>
             </a:xfrm>
             <a:custGeom>
               <a:avLst/>
@@ -19846,7 +19974,7 @@
           <p:spPr>
             <a:xfrm>
               <a:off x="10898640" y="-8640"/>
-              <a:ext cx="1289160" cy="6865560"/>
+              <a:ext cx="1288440" cy="6864840"/>
             </a:xfrm>
             <a:custGeom>
               <a:avLst/>
@@ -19906,7 +20034,7 @@
           <p:spPr>
             <a:xfrm>
               <a:off x="10938960" y="-8640"/>
-              <a:ext cx="1248840" cy="6865560"/>
+              <a:ext cx="1248120" cy="6864840"/>
             </a:xfrm>
             <a:custGeom>
               <a:avLst/>
@@ -19966,7 +20094,7 @@
           <p:spPr>
             <a:xfrm>
               <a:off x="10371600" y="3589920"/>
-              <a:ext cx="1816200" cy="3267000"/>
+              <a:ext cx="1815480" cy="3266280"/>
             </a:xfrm>
             <a:prstGeom prst="triangle">
               <a:avLst>
@@ -20005,7 +20133,7 @@
           <p:spPr>
             <a:xfrm>
               <a:off x="0" y="4013280"/>
-              <a:ext cx="447480" cy="2843640"/>
+              <a:ext cx="446760" cy="2842920"/>
             </a:xfrm>
             <a:prstGeom prst="triangle">
               <a:avLst>
@@ -20049,7 +20177,7 @@
         <p:spPr>
           <a:xfrm>
             <a:off x="677160" y="609480"/>
-            <a:ext cx="8595720" cy="1319760"/>
+            <a:ext cx="8595000" cy="1319040"/>
           </a:xfrm>
           <a:prstGeom prst="rect">
             <a:avLst/>
@@ -20089,7 +20217,7 @@
         <p:spPr>
           <a:xfrm>
             <a:off x="677160" y="6041520"/>
-            <a:ext cx="6296400" cy="363960"/>
+            <a:ext cx="6295680" cy="363240"/>
           </a:xfrm>
           <a:prstGeom prst="rect">
             <a:avLst/>
@@ -20146,7 +20274,7 @@
         <p:spPr>
           <a:xfrm>
             <a:off x="8590680" y="6041520"/>
-            <a:ext cx="682200" cy="363960"/>
+            <a:ext cx="681480" cy="363240"/>
           </a:xfrm>
           <a:prstGeom prst="rect">
             <a:avLst/>
@@ -20181,7 +20309,7 @@
               </a:lnSpc>
               <a:buNone/>
             </a:pPr>
-            <a:fld id="{B2FA54E5-0671-4877-91E2-B4DB273DE2E4}" type="slidenum">
+            <a:fld id="{735BE55A-0D9C-41B3-97BF-3948348F0587}" type="slidenum">
               <a:rPr b="0" lang="en-US" sz="900" spc="-1" strike="noStrike">
                 <a:solidFill>
                   <a:srgbClr val="5fcbef"/>
@@ -20209,7 +20337,7 @@
         <p:spPr>
           <a:xfrm>
             <a:off x="7205040" y="6041520"/>
-            <a:ext cx="910800" cy="363960"/>
+            <a:ext cx="910080" cy="363240"/>
           </a:xfrm>
           <a:prstGeom prst="rect">
             <a:avLst/>
@@ -20479,9 +20607,9 @@
         <p:grpSpPr>
           <a:xfrm>
             <a:off x="0" y="-8640"/>
-            <a:ext cx="12191040" cy="6866640"/>
+            <a:ext cx="12190320" cy="6866640"/>
             <a:chOff x="0" y="-8640"/>
-            <a:chExt cx="12191040" cy="6866640"/>
+            <a:chExt cx="12190320" cy="6866640"/>
           </a:xfrm>
         </p:grpSpPr>
         <p:sp>
@@ -20553,7 +20681,7 @@
           <p:spPr>
             <a:xfrm>
               <a:off x="9181440" y="-8640"/>
-              <a:ext cx="3006360" cy="6865560"/>
+              <a:ext cx="3005640" cy="6864840"/>
             </a:xfrm>
             <a:custGeom>
               <a:avLst/>
@@ -20613,7 +20741,7 @@
           <p:spPr>
             <a:xfrm>
               <a:off x="9603360" y="-8640"/>
-              <a:ext cx="2587320" cy="6865560"/>
+              <a:ext cx="2586600" cy="6864840"/>
             </a:xfrm>
             <a:custGeom>
               <a:avLst/>
@@ -20673,7 +20801,7 @@
           <p:spPr>
             <a:xfrm>
               <a:off x="8932320" y="3048120"/>
-              <a:ext cx="3258720" cy="3808800"/>
+              <a:ext cx="3258000" cy="3808080"/>
             </a:xfrm>
             <a:prstGeom prst="triangle">
               <a:avLst>
@@ -20712,7 +20840,7 @@
           <p:spPr>
             <a:xfrm>
               <a:off x="9334440" y="-8640"/>
-              <a:ext cx="2853360" cy="6865560"/>
+              <a:ext cx="2852640" cy="6864840"/>
             </a:xfrm>
             <a:custGeom>
               <a:avLst/>
@@ -20772,7 +20900,7 @@
           <p:spPr>
             <a:xfrm>
               <a:off x="10898640" y="-8640"/>
-              <a:ext cx="1289160" cy="6865560"/>
+              <a:ext cx="1288440" cy="6864840"/>
             </a:xfrm>
             <a:custGeom>
               <a:avLst/>
@@ -20832,7 +20960,7 @@
           <p:spPr>
             <a:xfrm>
               <a:off x="10938960" y="-8640"/>
-              <a:ext cx="1248840" cy="6865560"/>
+              <a:ext cx="1248120" cy="6864840"/>
             </a:xfrm>
             <a:custGeom>
               <a:avLst/>
@@ -20892,7 +21020,7 @@
           <p:spPr>
             <a:xfrm>
               <a:off x="10371600" y="3589920"/>
-              <a:ext cx="1816200" cy="3267000"/>
+              <a:ext cx="1815480" cy="3266280"/>
             </a:xfrm>
             <a:prstGeom prst="triangle">
               <a:avLst>
@@ -20931,7 +21059,7 @@
           <p:spPr>
             <a:xfrm>
               <a:off x="0" y="4013280"/>
-              <a:ext cx="447480" cy="2843640"/>
+              <a:ext cx="446760" cy="2842920"/>
             </a:xfrm>
             <a:prstGeom prst="triangle">
               <a:avLst>
@@ -20975,7 +21103,7 @@
         <p:spPr>
           <a:xfrm>
             <a:off x="677160" y="609480"/>
-            <a:ext cx="8595720" cy="1319760"/>
+            <a:ext cx="8595000" cy="1319040"/>
           </a:xfrm>
           <a:prstGeom prst="rect">
             <a:avLst/>
@@ -21015,7 +21143,7 @@
         <p:spPr>
           <a:xfrm>
             <a:off x="677160" y="6041520"/>
-            <a:ext cx="6296400" cy="363960"/>
+            <a:ext cx="6295680" cy="363240"/>
           </a:xfrm>
           <a:prstGeom prst="rect">
             <a:avLst/>
@@ -21072,7 +21200,7 @@
         <p:spPr>
           <a:xfrm>
             <a:off x="8590680" y="6041520"/>
-            <a:ext cx="682200" cy="363960"/>
+            <a:ext cx="681480" cy="363240"/>
           </a:xfrm>
           <a:prstGeom prst="rect">
             <a:avLst/>
@@ -21107,7 +21235,7 @@
               </a:lnSpc>
               <a:buNone/>
             </a:pPr>
-            <a:fld id="{01E46BE9-6912-476D-B563-9229FE429900}" type="slidenum">
+            <a:fld id="{D7BD8EB2-0C7B-49CB-AB68-9B4F5C0C2511}" type="slidenum">
               <a:rPr b="0" lang="en-US" sz="900" spc="-1" strike="noStrike">
                 <a:solidFill>
                   <a:srgbClr val="5fcbef"/>
@@ -21135,7 +21263,7 @@
         <p:spPr>
           <a:xfrm>
             <a:off x="7205040" y="6041520"/>
-            <a:ext cx="910800" cy="363960"/>
+            <a:ext cx="910080" cy="363240"/>
           </a:xfrm>
           <a:prstGeom prst="rect">
             <a:avLst/>
@@ -21405,9 +21533,9 @@
         <p:grpSpPr>
           <a:xfrm>
             <a:off x="0" y="-8640"/>
-            <a:ext cx="12191040" cy="6866640"/>
+            <a:ext cx="12190320" cy="6866640"/>
             <a:chOff x="0" y="-8640"/>
-            <a:chExt cx="12191040" cy="6866640"/>
+            <a:chExt cx="12190320" cy="6866640"/>
           </a:xfrm>
         </p:grpSpPr>
         <p:sp>
@@ -21479,7 +21607,7 @@
           <p:spPr>
             <a:xfrm>
               <a:off x="9181440" y="-8640"/>
-              <a:ext cx="3006360" cy="6865560"/>
+              <a:ext cx="3005640" cy="6864840"/>
             </a:xfrm>
             <a:custGeom>
               <a:avLst/>
@@ -21539,7 +21667,7 @@
           <p:spPr>
             <a:xfrm>
               <a:off x="9603360" y="-8640"/>
-              <a:ext cx="2587320" cy="6865560"/>
+              <a:ext cx="2586600" cy="6864840"/>
             </a:xfrm>
             <a:custGeom>
               <a:avLst/>
@@ -21599,7 +21727,7 @@
           <p:spPr>
             <a:xfrm>
               <a:off x="8932320" y="3048120"/>
-              <a:ext cx="3258720" cy="3808800"/>
+              <a:ext cx="3258000" cy="3808080"/>
             </a:xfrm>
             <a:prstGeom prst="triangle">
               <a:avLst>
@@ -21638,7 +21766,7 @@
           <p:spPr>
             <a:xfrm>
               <a:off x="9334440" y="-8640"/>
-              <a:ext cx="2853360" cy="6865560"/>
+              <a:ext cx="2852640" cy="6864840"/>
             </a:xfrm>
             <a:custGeom>
               <a:avLst/>
@@ -21698,7 +21826,7 @@
           <p:spPr>
             <a:xfrm>
               <a:off x="10898640" y="-8640"/>
-              <a:ext cx="1289160" cy="6865560"/>
+              <a:ext cx="1288440" cy="6864840"/>
             </a:xfrm>
             <a:custGeom>
               <a:avLst/>
@@ -21758,7 +21886,7 @@
           <p:spPr>
             <a:xfrm>
               <a:off x="10938960" y="-8640"/>
-              <a:ext cx="1248840" cy="6865560"/>
+              <a:ext cx="1248120" cy="6864840"/>
             </a:xfrm>
             <a:custGeom>
               <a:avLst/>
@@ -21818,7 +21946,7 @@
           <p:spPr>
             <a:xfrm>
               <a:off x="10371600" y="3589920"/>
-              <a:ext cx="1816200" cy="3267000"/>
+              <a:ext cx="1815480" cy="3266280"/>
             </a:xfrm>
             <a:prstGeom prst="triangle">
               <a:avLst>
@@ -21857,7 +21985,7 @@
           <p:spPr>
             <a:xfrm>
               <a:off x="0" y="4013280"/>
-              <a:ext cx="447480" cy="2843640"/>
+              <a:ext cx="446760" cy="2842920"/>
             </a:xfrm>
             <a:prstGeom prst="triangle">
               <a:avLst>
@@ -21901,7 +22029,7 @@
         <p:spPr>
           <a:xfrm>
             <a:off x="677160" y="609480"/>
-            <a:ext cx="8595720" cy="1319760"/>
+            <a:ext cx="8595000" cy="1319040"/>
           </a:xfrm>
           <a:prstGeom prst="rect">
             <a:avLst/>
@@ -21941,7 +22069,7 @@
         <p:spPr>
           <a:xfrm>
             <a:off x="677160" y="6041520"/>
-            <a:ext cx="6296400" cy="363960"/>
+            <a:ext cx="6295680" cy="363240"/>
           </a:xfrm>
           <a:prstGeom prst="rect">
             <a:avLst/>
@@ -21998,7 +22126,7 @@
         <p:spPr>
           <a:xfrm>
             <a:off x="8590680" y="6041520"/>
-            <a:ext cx="682200" cy="363960"/>
+            <a:ext cx="681480" cy="363240"/>
           </a:xfrm>
           <a:prstGeom prst="rect">
             <a:avLst/>
@@ -22033,7 +22161,7 @@
               </a:lnSpc>
               <a:buNone/>
             </a:pPr>
-            <a:fld id="{B377F8A7-7F5E-407E-BB9A-46906ED40CF0}" type="slidenum">
+            <a:fld id="{12B4526D-232E-475F-819C-6F2D0E0149DD}" type="slidenum">
               <a:rPr b="0" lang="en-US" sz="900" spc="-1" strike="noStrike">
                 <a:solidFill>
                   <a:srgbClr val="5fcbef"/>
@@ -22061,7 +22189,7 @@
         <p:spPr>
           <a:xfrm>
             <a:off x="7205040" y="6041520"/>
-            <a:ext cx="910800" cy="363960"/>
+            <a:ext cx="910080" cy="363240"/>
           </a:xfrm>
           <a:prstGeom prst="rect">
             <a:avLst/>
@@ -22331,9 +22459,9 @@
         <p:grpSpPr>
           <a:xfrm>
             <a:off x="0" y="-8640"/>
-            <a:ext cx="12191040" cy="6866640"/>
+            <a:ext cx="12190320" cy="6866640"/>
             <a:chOff x="0" y="-8640"/>
-            <a:chExt cx="12191040" cy="6866640"/>
+            <a:chExt cx="12190320" cy="6866640"/>
           </a:xfrm>
         </p:grpSpPr>
         <p:sp>
@@ -22405,7 +22533,7 @@
           <p:spPr>
             <a:xfrm>
               <a:off x="9181440" y="-8640"/>
-              <a:ext cx="3006360" cy="6865560"/>
+              <a:ext cx="3005640" cy="6864840"/>
             </a:xfrm>
             <a:custGeom>
               <a:avLst/>
@@ -22465,7 +22593,7 @@
           <p:spPr>
             <a:xfrm>
               <a:off x="9603360" y="-8640"/>
-              <a:ext cx="2587320" cy="6865560"/>
+              <a:ext cx="2586600" cy="6864840"/>
             </a:xfrm>
             <a:custGeom>
               <a:avLst/>
@@ -22525,7 +22653,7 @@
           <p:spPr>
             <a:xfrm>
               <a:off x="8932320" y="3048120"/>
-              <a:ext cx="3258720" cy="3808800"/>
+              <a:ext cx="3258000" cy="3808080"/>
             </a:xfrm>
             <a:prstGeom prst="triangle">
               <a:avLst>
@@ -22564,7 +22692,7 @@
           <p:spPr>
             <a:xfrm>
               <a:off x="9334440" y="-8640"/>
-              <a:ext cx="2853360" cy="6865560"/>
+              <a:ext cx="2852640" cy="6864840"/>
             </a:xfrm>
             <a:custGeom>
               <a:avLst/>
@@ -22624,7 +22752,7 @@
           <p:spPr>
             <a:xfrm>
               <a:off x="10898640" y="-8640"/>
-              <a:ext cx="1289160" cy="6865560"/>
+              <a:ext cx="1288440" cy="6864840"/>
             </a:xfrm>
             <a:custGeom>
               <a:avLst/>
@@ -22684,7 +22812,7 @@
           <p:spPr>
             <a:xfrm>
               <a:off x="10938960" y="-8640"/>
-              <a:ext cx="1248840" cy="6865560"/>
+              <a:ext cx="1248120" cy="6864840"/>
             </a:xfrm>
             <a:custGeom>
               <a:avLst/>
@@ -22744,7 +22872,7 @@
           <p:spPr>
             <a:xfrm>
               <a:off x="10371600" y="3589920"/>
-              <a:ext cx="1816200" cy="3267000"/>
+              <a:ext cx="1815480" cy="3266280"/>
             </a:xfrm>
             <a:prstGeom prst="triangle">
               <a:avLst>
@@ -22783,7 +22911,7 @@
           <p:spPr>
             <a:xfrm>
               <a:off x="0" y="4013280"/>
-              <a:ext cx="447480" cy="2843640"/>
+              <a:ext cx="446760" cy="2842920"/>
             </a:xfrm>
             <a:prstGeom prst="triangle">
               <a:avLst>
@@ -22827,7 +22955,7 @@
         <p:spPr>
           <a:xfrm>
             <a:off x="677160" y="609480"/>
-            <a:ext cx="8595720" cy="1319760"/>
+            <a:ext cx="8595000" cy="1319040"/>
           </a:xfrm>
           <a:prstGeom prst="rect">
             <a:avLst/>
@@ -22867,7 +22995,7 @@
         <p:spPr>
           <a:xfrm>
             <a:off x="677160" y="6041520"/>
-            <a:ext cx="6296400" cy="363960"/>
+            <a:ext cx="6295680" cy="363240"/>
           </a:xfrm>
           <a:prstGeom prst="rect">
             <a:avLst/>
@@ -22924,7 +23052,7 @@
         <p:spPr>
           <a:xfrm>
             <a:off x="8590680" y="6041520"/>
-            <a:ext cx="682200" cy="363960"/>
+            <a:ext cx="681480" cy="363240"/>
           </a:xfrm>
           <a:prstGeom prst="rect">
             <a:avLst/>
@@ -22959,7 +23087,7 @@
               </a:lnSpc>
               <a:buNone/>
             </a:pPr>
-            <a:fld id="{9903DBAD-A42A-46E7-AD94-70EE2069D099}" type="slidenum">
+            <a:fld id="{53ED11A2-3EA6-4BA3-BD63-B79610AF9320}" type="slidenum">
               <a:rPr b="0" lang="en-US" sz="900" spc="-1" strike="noStrike">
                 <a:solidFill>
                   <a:srgbClr val="5fcbef"/>
@@ -22987,7 +23115,7 @@
         <p:spPr>
           <a:xfrm>
             <a:off x="7205040" y="6041520"/>
-            <a:ext cx="910800" cy="363960"/>
+            <a:ext cx="910080" cy="363240"/>
           </a:xfrm>
           <a:prstGeom prst="rect">
             <a:avLst/>
@@ -23257,9 +23385,9 @@
         <p:grpSpPr>
           <a:xfrm>
             <a:off x="0" y="-8640"/>
-            <a:ext cx="12191040" cy="6866640"/>
+            <a:ext cx="12190320" cy="6866640"/>
             <a:chOff x="0" y="-8640"/>
-            <a:chExt cx="12191040" cy="6866640"/>
+            <a:chExt cx="12190320" cy="6866640"/>
           </a:xfrm>
         </p:grpSpPr>
         <p:sp>
@@ -23331,7 +23459,7 @@
           <p:spPr>
             <a:xfrm>
               <a:off x="9181440" y="-8640"/>
-              <a:ext cx="3006360" cy="6865560"/>
+              <a:ext cx="3005640" cy="6864840"/>
             </a:xfrm>
             <a:custGeom>
               <a:avLst/>
@@ -23391,7 +23519,7 @@
           <p:spPr>
             <a:xfrm>
               <a:off x="9603360" y="-8640"/>
-              <a:ext cx="2587320" cy="6865560"/>
+              <a:ext cx="2586600" cy="6864840"/>
             </a:xfrm>
             <a:custGeom>
               <a:avLst/>
@@ -23451,7 +23579,7 @@
           <p:spPr>
             <a:xfrm>
               <a:off x="8932320" y="3048120"/>
-              <a:ext cx="3258720" cy="3808800"/>
+              <a:ext cx="3258000" cy="3808080"/>
             </a:xfrm>
             <a:prstGeom prst="triangle">
               <a:avLst>
@@ -23490,7 +23618,7 @@
           <p:spPr>
             <a:xfrm>
               <a:off x="9334440" y="-8640"/>
-              <a:ext cx="2853360" cy="6865560"/>
+              <a:ext cx="2852640" cy="6864840"/>
             </a:xfrm>
             <a:custGeom>
               <a:avLst/>
@@ -23550,7 +23678,7 @@
           <p:spPr>
             <a:xfrm>
               <a:off x="10898640" y="-8640"/>
-              <a:ext cx="1289160" cy="6865560"/>
+              <a:ext cx="1288440" cy="6864840"/>
             </a:xfrm>
             <a:custGeom>
               <a:avLst/>
@@ -23610,7 +23738,7 @@
           <p:spPr>
             <a:xfrm>
               <a:off x="10938960" y="-8640"/>
-              <a:ext cx="1248840" cy="6865560"/>
+              <a:ext cx="1248120" cy="6864840"/>
             </a:xfrm>
             <a:custGeom>
               <a:avLst/>
@@ -23670,7 +23798,7 @@
           <p:spPr>
             <a:xfrm>
               <a:off x="10371600" y="3589920"/>
-              <a:ext cx="1816200" cy="3267000"/>
+              <a:ext cx="1815480" cy="3266280"/>
             </a:xfrm>
             <a:prstGeom prst="triangle">
               <a:avLst>
@@ -23709,7 +23837,7 @@
           <p:spPr>
             <a:xfrm>
               <a:off x="0" y="4013280"/>
-              <a:ext cx="447480" cy="2843640"/>
+              <a:ext cx="446760" cy="2842920"/>
             </a:xfrm>
             <a:prstGeom prst="triangle">
               <a:avLst>
@@ -23753,7 +23881,7 @@
         <p:spPr>
           <a:xfrm>
             <a:off x="677160" y="609480"/>
-            <a:ext cx="8595720" cy="1319760"/>
+            <a:ext cx="8595000" cy="1319040"/>
           </a:xfrm>
           <a:prstGeom prst="rect">
             <a:avLst/>
@@ -23793,7 +23921,7 @@
         <p:spPr>
           <a:xfrm>
             <a:off x="677160" y="6041520"/>
-            <a:ext cx="6296400" cy="363960"/>
+            <a:ext cx="6295680" cy="363240"/>
           </a:xfrm>
           <a:prstGeom prst="rect">
             <a:avLst/>
@@ -23850,7 +23978,7 @@
         <p:spPr>
           <a:xfrm>
             <a:off x="8590680" y="6041520"/>
-            <a:ext cx="682200" cy="363960"/>
+            <a:ext cx="681480" cy="363240"/>
           </a:xfrm>
           <a:prstGeom prst="rect">
             <a:avLst/>
@@ -23885,7 +24013,7 @@
               </a:lnSpc>
               <a:buNone/>
             </a:pPr>
-            <a:fld id="{A2A8840E-E78B-41EA-B7DE-8B46B7F09972}" type="slidenum">
+            <a:fld id="{14C31503-3440-4908-9DD2-E703ACFA4E47}" type="slidenum">
               <a:rPr b="0" lang="en-US" sz="900" spc="-1" strike="noStrike">
                 <a:solidFill>
                   <a:srgbClr val="5fcbef"/>
@@ -23913,7 +24041,7 @@
         <p:spPr>
           <a:xfrm>
             <a:off x="7205040" y="6041520"/>
-            <a:ext cx="910800" cy="363960"/>
+            <a:ext cx="910080" cy="363240"/>
           </a:xfrm>
           <a:prstGeom prst="rect">
             <a:avLst/>
@@ -24183,9 +24311,9 @@
         <p:grpSpPr>
           <a:xfrm>
             <a:off x="0" y="-8640"/>
-            <a:ext cx="12191040" cy="6866640"/>
+            <a:ext cx="12190320" cy="6866640"/>
             <a:chOff x="0" y="-8640"/>
-            <a:chExt cx="12191040" cy="6866640"/>
+            <a:chExt cx="12190320" cy="6866640"/>
           </a:xfrm>
         </p:grpSpPr>
         <p:sp>
@@ -24257,7 +24385,7 @@
           <p:spPr>
             <a:xfrm>
               <a:off x="9181440" y="-8640"/>
-              <a:ext cx="3006360" cy="6865560"/>
+              <a:ext cx="3005640" cy="6864840"/>
             </a:xfrm>
             <a:custGeom>
               <a:avLst/>
@@ -24317,7 +24445,7 @@
           <p:spPr>
             <a:xfrm>
               <a:off x="9603360" y="-8640"/>
-              <a:ext cx="2587320" cy="6865560"/>
+              <a:ext cx="2586600" cy="6864840"/>
             </a:xfrm>
             <a:custGeom>
               <a:avLst/>
@@ -24377,7 +24505,7 @@
           <p:spPr>
             <a:xfrm>
               <a:off x="8932320" y="3048120"/>
-              <a:ext cx="3258720" cy="3808800"/>
+              <a:ext cx="3258000" cy="3808080"/>
             </a:xfrm>
             <a:prstGeom prst="triangle">
               <a:avLst>
@@ -24416,7 +24544,7 @@
           <p:spPr>
             <a:xfrm>
               <a:off x="9334440" y="-8640"/>
-              <a:ext cx="2853360" cy="6865560"/>
+              <a:ext cx="2852640" cy="6864840"/>
             </a:xfrm>
             <a:custGeom>
               <a:avLst/>
@@ -24476,7 +24604,7 @@
           <p:spPr>
             <a:xfrm>
               <a:off x="10898640" y="-8640"/>
-              <a:ext cx="1289160" cy="6865560"/>
+              <a:ext cx="1288440" cy="6864840"/>
             </a:xfrm>
             <a:custGeom>
               <a:avLst/>
@@ -24536,7 +24664,7 @@
           <p:spPr>
             <a:xfrm>
               <a:off x="10938960" y="-8640"/>
-              <a:ext cx="1248840" cy="6865560"/>
+              <a:ext cx="1248120" cy="6864840"/>
             </a:xfrm>
             <a:custGeom>
               <a:avLst/>
@@ -24596,7 +24724,7 @@
           <p:spPr>
             <a:xfrm>
               <a:off x="10371600" y="3589920"/>
-              <a:ext cx="1816200" cy="3267000"/>
+              <a:ext cx="1815480" cy="3266280"/>
             </a:xfrm>
             <a:prstGeom prst="triangle">
               <a:avLst>
@@ -24635,7 +24763,7 @@
           <p:spPr>
             <a:xfrm>
               <a:off x="0" y="4013280"/>
-              <a:ext cx="447480" cy="2843640"/>
+              <a:ext cx="446760" cy="2842920"/>
             </a:xfrm>
             <a:prstGeom prst="triangle">
               <a:avLst>
@@ -24679,7 +24807,7 @@
         <p:spPr>
           <a:xfrm>
             <a:off x="677160" y="609480"/>
-            <a:ext cx="8595720" cy="1319760"/>
+            <a:ext cx="8595000" cy="1319040"/>
           </a:xfrm>
           <a:prstGeom prst="rect">
             <a:avLst/>
@@ -24719,7 +24847,7 @@
         <p:spPr>
           <a:xfrm>
             <a:off x="677160" y="6041520"/>
-            <a:ext cx="6296400" cy="363960"/>
+            <a:ext cx="6295680" cy="363240"/>
           </a:xfrm>
           <a:prstGeom prst="rect">
             <a:avLst/>
@@ -24776,7 +24904,7 @@
         <p:spPr>
           <a:xfrm>
             <a:off x="8590680" y="6041520"/>
-            <a:ext cx="682200" cy="363960"/>
+            <a:ext cx="681480" cy="363240"/>
           </a:xfrm>
           <a:prstGeom prst="rect">
             <a:avLst/>
@@ -24811,7 +24939,7 @@
               </a:lnSpc>
               <a:buNone/>
             </a:pPr>
-            <a:fld id="{3C487F23-7945-4201-BFC9-3AE888B58AE4}" type="slidenum">
+            <a:fld id="{CE5D2DC7-0075-439A-8BD2-F95A9F0EC7AE}" type="slidenum">
               <a:rPr b="0" lang="en-US" sz="900" spc="-1" strike="noStrike">
                 <a:solidFill>
                   <a:srgbClr val="5fcbef"/>
@@ -24839,7 +24967,7 @@
         <p:spPr>
           <a:xfrm>
             <a:off x="7205040" y="6041520"/>
-            <a:ext cx="910800" cy="363960"/>
+            <a:ext cx="910080" cy="363240"/>
           </a:xfrm>
           <a:prstGeom prst="rect">
             <a:avLst/>
@@ -25109,9 +25237,9 @@
         <p:grpSpPr>
           <a:xfrm>
             <a:off x="0" y="-8640"/>
-            <a:ext cx="12191040" cy="6866640"/>
+            <a:ext cx="12190320" cy="6866640"/>
             <a:chOff x="0" y="-8640"/>
-            <a:chExt cx="12191040" cy="6866640"/>
+            <a:chExt cx="12190320" cy="6866640"/>
           </a:xfrm>
         </p:grpSpPr>
         <p:sp>
@@ -25183,7 +25311,7 @@
           <p:spPr>
             <a:xfrm>
               <a:off x="9181440" y="-8640"/>
-              <a:ext cx="3006360" cy="6865560"/>
+              <a:ext cx="3005640" cy="6864840"/>
             </a:xfrm>
             <a:custGeom>
               <a:avLst/>
@@ -25243,7 +25371,7 @@
           <p:spPr>
             <a:xfrm>
               <a:off x="9603360" y="-8640"/>
-              <a:ext cx="2587320" cy="6865560"/>
+              <a:ext cx="2586600" cy="6864840"/>
             </a:xfrm>
             <a:custGeom>
               <a:avLst/>
@@ -25303,7 +25431,7 @@
           <p:spPr>
             <a:xfrm>
               <a:off x="8932320" y="3048120"/>
-              <a:ext cx="3258720" cy="3808800"/>
+              <a:ext cx="3258000" cy="3808080"/>
             </a:xfrm>
             <a:prstGeom prst="triangle">
               <a:avLst>
@@ -25342,7 +25470,7 @@
           <p:spPr>
             <a:xfrm>
               <a:off x="9334440" y="-8640"/>
-              <a:ext cx="2853360" cy="6865560"/>
+              <a:ext cx="2852640" cy="6864840"/>
             </a:xfrm>
             <a:custGeom>
               <a:avLst/>
@@ -25402,7 +25530,7 @@
           <p:spPr>
             <a:xfrm>
               <a:off x="10898640" y="-8640"/>
-              <a:ext cx="1289160" cy="6865560"/>
+              <a:ext cx="1288440" cy="6864840"/>
             </a:xfrm>
             <a:custGeom>
               <a:avLst/>
@@ -25462,7 +25590,7 @@
           <p:spPr>
             <a:xfrm>
               <a:off x="10938960" y="-8640"/>
-              <a:ext cx="1248840" cy="6865560"/>
+              <a:ext cx="1248120" cy="6864840"/>
             </a:xfrm>
             <a:custGeom>
               <a:avLst/>
@@ -25522,7 +25650,7 @@
           <p:spPr>
             <a:xfrm>
               <a:off x="10371600" y="3589920"/>
-              <a:ext cx="1816200" cy="3267000"/>
+              <a:ext cx="1815480" cy="3266280"/>
             </a:xfrm>
             <a:prstGeom prst="triangle">
               <a:avLst>
@@ -25561,7 +25689,7 @@
           <p:spPr>
             <a:xfrm>
               <a:off x="0" y="4013280"/>
-              <a:ext cx="447480" cy="2843640"/>
+              <a:ext cx="446760" cy="2842920"/>
             </a:xfrm>
             <a:prstGeom prst="triangle">
               <a:avLst>
@@ -25599,236 +25727,13 @@
             <a:spLocks noGrp="1"/>
           </p:cNvSpPr>
           <p:nvPr>
-            <p:ph type="title"/>
-          </p:nvPr>
-        </p:nvSpPr>
-        <p:spPr>
-          <a:xfrm>
-            <a:off x="677160" y="609480"/>
-            <a:ext cx="8595720" cy="1319760"/>
-          </a:xfrm>
-          <a:prstGeom prst="rect">
-            <a:avLst/>
-          </a:prstGeom>
-          <a:noFill/>
-          <a:ln w="0">
-            <a:noFill/>
-          </a:ln>
-        </p:spPr>
-        <p:txBody>
-          <a:bodyPr lIns="0" rIns="0" tIns="0" bIns="0" anchor="ctr">
-            <a:noAutofit/>
-          </a:bodyPr>
-          <a:p>
-            <a:r>
-              <a:rPr b="0" lang="en-GB" sz="1800" spc="-1" strike="noStrike">
-                <a:latin typeface="Arial"/>
-              </a:rPr>
-              <a:t>Click to edit the title text format</a:t>
-            </a:r>
-            <a:endParaRPr b="0" lang="en-GB" sz="1800" spc="-1" strike="noStrike">
-              <a:latin typeface="Arial"/>
-            </a:endParaRPr>
-          </a:p>
-        </p:txBody>
-      </p:sp>
-      <p:sp>
-        <p:nvSpPr>
-          <p:cNvPr id="387" name="PlaceHolder 2"/>
-          <p:cNvSpPr>
-            <a:spLocks noGrp="1"/>
-          </p:cNvSpPr>
-          <p:nvPr>
-            <p:ph type="body"/>
-          </p:nvPr>
-        </p:nvSpPr>
-        <p:spPr>
-          <a:xfrm>
-            <a:off x="609480" y="1604520"/>
-            <a:ext cx="10972080" cy="3976920"/>
-          </a:xfrm>
-          <a:prstGeom prst="rect">
-            <a:avLst/>
-          </a:prstGeom>
-          <a:noFill/>
-          <a:ln w="0">
-            <a:noFill/>
-          </a:ln>
-        </p:spPr>
-        <p:txBody>
-          <a:bodyPr lIns="0" rIns="0" tIns="0" bIns="0" anchor="t">
-            <a:normAutofit/>
-          </a:bodyPr>
-          <a:p>
-            <a:pPr marL="432000" indent="-324000">
-              <a:spcBef>
-                <a:spcPts val="1417"/>
-              </a:spcBef>
-              <a:buClr>
-                <a:srgbClr val="000000"/>
-              </a:buClr>
-              <a:buSzPct val="45000"/>
-              <a:buFont typeface="Wingdings" charset="2"/>
-              <a:buChar char=""/>
-            </a:pPr>
-            <a:r>
-              <a:rPr b="0" lang="en-GB" sz="1800" spc="-1" strike="noStrike">
-                <a:latin typeface="Arial"/>
-              </a:rPr>
-              <a:t>Click to edit the outline text format</a:t>
-            </a:r>
-            <a:endParaRPr b="0" lang="en-GB" sz="1800" spc="-1" strike="noStrike">
-              <a:latin typeface="Arial"/>
-            </a:endParaRPr>
-          </a:p>
-          <a:p>
-            <a:pPr lvl="1" marL="864000" indent="-324000">
-              <a:spcBef>
-                <a:spcPts val="1134"/>
-              </a:spcBef>
-              <a:buClr>
-                <a:srgbClr val="000000"/>
-              </a:buClr>
-              <a:buSzPct val="75000"/>
-              <a:buFont typeface="Symbol" charset="2"/>
-              <a:buChar char=""/>
-            </a:pPr>
-            <a:r>
-              <a:rPr b="0" lang="en-GB" sz="1800" spc="-1" strike="noStrike">
-                <a:latin typeface="Arial"/>
-              </a:rPr>
-              <a:t>Second Outline Level</a:t>
-            </a:r>
-            <a:endParaRPr b="0" lang="en-GB" sz="1800" spc="-1" strike="noStrike">
-              <a:latin typeface="Arial"/>
-            </a:endParaRPr>
-          </a:p>
-          <a:p>
-            <a:pPr lvl="2" marL="1296000" indent="-288000">
-              <a:spcBef>
-                <a:spcPts val="850"/>
-              </a:spcBef>
-              <a:buClr>
-                <a:srgbClr val="000000"/>
-              </a:buClr>
-              <a:buSzPct val="45000"/>
-              <a:buFont typeface="Wingdings" charset="2"/>
-              <a:buChar char=""/>
-            </a:pPr>
-            <a:r>
-              <a:rPr b="0" lang="en-GB" sz="1800" spc="-1" strike="noStrike">
-                <a:latin typeface="Arial"/>
-              </a:rPr>
-              <a:t>Third Outline Level</a:t>
-            </a:r>
-            <a:endParaRPr b="0" lang="en-GB" sz="1800" spc="-1" strike="noStrike">
-              <a:latin typeface="Arial"/>
-            </a:endParaRPr>
-          </a:p>
-          <a:p>
-            <a:pPr lvl="3" marL="1728000" indent="-216000">
-              <a:spcBef>
-                <a:spcPts val="567"/>
-              </a:spcBef>
-              <a:buClr>
-                <a:srgbClr val="000000"/>
-              </a:buClr>
-              <a:buSzPct val="75000"/>
-              <a:buFont typeface="Symbol" charset="2"/>
-              <a:buChar char=""/>
-            </a:pPr>
-            <a:r>
-              <a:rPr b="0" lang="en-GB" sz="1800" spc="-1" strike="noStrike">
-                <a:latin typeface="Arial"/>
-              </a:rPr>
-              <a:t>Fourth Outline Level</a:t>
-            </a:r>
-            <a:endParaRPr b="0" lang="en-GB" sz="1800" spc="-1" strike="noStrike">
-              <a:latin typeface="Arial"/>
-            </a:endParaRPr>
-          </a:p>
-          <a:p>
-            <a:pPr lvl="4" marL="2160000" indent="-216000">
-              <a:spcBef>
-                <a:spcPts val="283"/>
-              </a:spcBef>
-              <a:buClr>
-                <a:srgbClr val="000000"/>
-              </a:buClr>
-              <a:buSzPct val="45000"/>
-              <a:buFont typeface="Wingdings" charset="2"/>
-              <a:buChar char=""/>
-            </a:pPr>
-            <a:r>
-              <a:rPr b="0" lang="en-GB" sz="1800" spc="-1" strike="noStrike">
-                <a:latin typeface="Arial"/>
-              </a:rPr>
-              <a:t>Fifth Outline Level</a:t>
-            </a:r>
-            <a:endParaRPr b="0" lang="en-GB" sz="1800" spc="-1" strike="noStrike">
-              <a:latin typeface="Arial"/>
-            </a:endParaRPr>
-          </a:p>
-          <a:p>
-            <a:pPr lvl="5" marL="2592000" indent="-216000">
-              <a:spcBef>
-                <a:spcPts val="283"/>
-              </a:spcBef>
-              <a:buClr>
-                <a:srgbClr val="000000"/>
-              </a:buClr>
-              <a:buSzPct val="45000"/>
-              <a:buFont typeface="Wingdings" charset="2"/>
-              <a:buChar char=""/>
-            </a:pPr>
-            <a:r>
-              <a:rPr b="0" lang="en-GB" sz="1800" spc="-1" strike="noStrike">
-                <a:latin typeface="Arial"/>
-              </a:rPr>
-              <a:t>Sixth Outline Level</a:t>
-            </a:r>
-            <a:endParaRPr b="0" lang="en-GB" sz="1800" spc="-1" strike="noStrike">
-              <a:latin typeface="Arial"/>
-            </a:endParaRPr>
-          </a:p>
-          <a:p>
-            <a:pPr lvl="6" marL="3024000" indent="-216000">
-              <a:spcBef>
-                <a:spcPts val="283"/>
-              </a:spcBef>
-              <a:buClr>
-                <a:srgbClr val="000000"/>
-              </a:buClr>
-              <a:buSzPct val="45000"/>
-              <a:buFont typeface="Wingdings" charset="2"/>
-              <a:buChar char=""/>
-            </a:pPr>
-            <a:r>
-              <a:rPr b="0" lang="en-GB" sz="1800" spc="-1" strike="noStrike">
-                <a:latin typeface="Arial"/>
-              </a:rPr>
-              <a:t>Seventh Outline Level</a:t>
-            </a:r>
-            <a:endParaRPr b="0" lang="en-GB" sz="1800" spc="-1" strike="noStrike">
-              <a:latin typeface="Arial"/>
-            </a:endParaRPr>
-          </a:p>
-        </p:txBody>
-      </p:sp>
-      <p:sp>
-        <p:nvSpPr>
-          <p:cNvPr id="388" name="PlaceHolder 3"/>
-          <p:cNvSpPr>
-            <a:spLocks noGrp="1"/>
-          </p:cNvSpPr>
-          <p:nvPr>
             <p:ph type="ftr" idx="22"/>
           </p:nvPr>
         </p:nvSpPr>
         <p:spPr>
           <a:xfrm>
             <a:off x="677160" y="6041520"/>
-            <a:ext cx="6296400" cy="363960"/>
+            <a:ext cx="6295680" cy="363240"/>
           </a:xfrm>
           <a:prstGeom prst="rect">
             <a:avLst/>
@@ -25874,7 +25779,7 @@
       </p:sp>
       <p:sp>
         <p:nvSpPr>
-          <p:cNvPr id="389" name="PlaceHolder 4"/>
+          <p:cNvPr id="387" name="PlaceHolder 2"/>
           <p:cNvSpPr>
             <a:spLocks noGrp="1"/>
           </p:cNvSpPr>
@@ -25885,7 +25790,7 @@
         <p:spPr>
           <a:xfrm>
             <a:off x="8590680" y="6041520"/>
-            <a:ext cx="682200" cy="363960"/>
+            <a:ext cx="681480" cy="363240"/>
           </a:xfrm>
           <a:prstGeom prst="rect">
             <a:avLst/>
@@ -25920,7 +25825,7 @@
               </a:lnSpc>
               <a:buNone/>
             </a:pPr>
-            <a:fld id="{21B5867A-5B30-463B-9339-85272F05FB04}" type="slidenum">
+            <a:fld id="{92F9C395-533E-46A8-8E26-0869366A1F09}" type="slidenum">
               <a:rPr b="0" lang="en-US" sz="900" spc="-1" strike="noStrike">
                 <a:solidFill>
                   <a:srgbClr val="5fcbef"/>
@@ -25937,7 +25842,7 @@
       </p:sp>
       <p:sp>
         <p:nvSpPr>
-          <p:cNvPr id="390" name="PlaceHolder 5"/>
+          <p:cNvPr id="388" name="PlaceHolder 3"/>
           <p:cNvSpPr>
             <a:spLocks noGrp="1"/>
           </p:cNvSpPr>
@@ -25948,7 +25853,7 @@
         <p:spPr>
           <a:xfrm>
             <a:off x="7205040" y="6041520"/>
-            <a:ext cx="910800" cy="363960"/>
+            <a:ext cx="910080" cy="363240"/>
           </a:xfrm>
           <a:prstGeom prst="rect">
             <a:avLst/>
@@ -25978,6 +25883,232 @@
             </a:r>
             <a:endParaRPr b="0" lang="en-GB" sz="1400" spc="-1" strike="noStrike">
               <a:latin typeface="Times New Roman"/>
+            </a:endParaRPr>
+          </a:p>
+        </p:txBody>
+      </p:sp>
+      <p:sp>
+        <p:nvSpPr>
+          <p:cNvPr id="389" name="PlaceHolder 4"/>
+          <p:cNvSpPr>
+            <a:spLocks noGrp="1"/>
+          </p:cNvSpPr>
+          <p:nvPr>
+            <p:ph type="title"/>
+          </p:nvPr>
+        </p:nvSpPr>
+        <p:spPr>
+          <a:xfrm>
+            <a:off x="609480" y="273600"/>
+            <a:ext cx="10972440" cy="1144800"/>
+          </a:xfrm>
+          <a:prstGeom prst="rect">
+            <a:avLst/>
+          </a:prstGeom>
+          <a:noFill/>
+          <a:ln w="0">
+            <a:noFill/>
+          </a:ln>
+        </p:spPr>
+        <p:txBody>
+          <a:bodyPr lIns="0" rIns="0" tIns="0" bIns="0" anchor="ctr">
+            <a:noAutofit/>
+          </a:bodyPr>
+          <a:p>
+            <a:pPr algn="ctr">
+              <a:buNone/>
+            </a:pPr>
+            <a:r>
+              <a:rPr b="0" lang="en-GB" sz="4400" spc="-1" strike="noStrike">
+                <a:latin typeface="Arial"/>
+              </a:rPr>
+              <a:t>Click to edit the title text format</a:t>
+            </a:r>
+            <a:endParaRPr b="0" lang="en-GB" sz="4400" spc="-1" strike="noStrike">
+              <a:latin typeface="Arial"/>
+            </a:endParaRPr>
+          </a:p>
+        </p:txBody>
+      </p:sp>
+      <p:sp>
+        <p:nvSpPr>
+          <p:cNvPr id="390" name="PlaceHolder 5"/>
+          <p:cNvSpPr>
+            <a:spLocks noGrp="1"/>
+          </p:cNvSpPr>
+          <p:nvPr>
+            <p:ph type="body"/>
+          </p:nvPr>
+        </p:nvSpPr>
+        <p:spPr>
+          <a:xfrm>
+            <a:off x="609480" y="1604520"/>
+            <a:ext cx="10972440" cy="3977280"/>
+          </a:xfrm>
+          <a:prstGeom prst="rect">
+            <a:avLst/>
+          </a:prstGeom>
+          <a:noFill/>
+          <a:ln w="0">
+            <a:noFill/>
+          </a:ln>
+        </p:spPr>
+        <p:txBody>
+          <a:bodyPr lIns="0" rIns="0" tIns="0" bIns="0" anchor="t">
+            <a:normAutofit/>
+          </a:bodyPr>
+          <a:p>
+            <a:pPr marL="432000" indent="-324000">
+              <a:spcBef>
+                <a:spcPts val="1417"/>
+              </a:spcBef>
+              <a:buClr>
+                <a:srgbClr val="000000"/>
+              </a:buClr>
+              <a:buSzPct val="45000"/>
+              <a:buFont typeface="Wingdings" charset="2"/>
+              <a:buChar char=""/>
+            </a:pPr>
+            <a:r>
+              <a:rPr b="0" lang="en-GB" sz="3200" spc="-1" strike="noStrike">
+                <a:latin typeface="Arial"/>
+              </a:rPr>
+              <a:t>Click to edit the outline text format</a:t>
+            </a:r>
+            <a:endParaRPr b="0" lang="en-GB" sz="3200" spc="-1" strike="noStrike">
+              <a:latin typeface="Arial"/>
+            </a:endParaRPr>
+          </a:p>
+          <a:p>
+            <a:pPr lvl="1" marL="864000" indent="-324000">
+              <a:spcBef>
+                <a:spcPts val="1134"/>
+              </a:spcBef>
+              <a:buClr>
+                <a:srgbClr val="000000"/>
+              </a:buClr>
+              <a:buSzPct val="75000"/>
+              <a:buFont typeface="Symbol" charset="2"/>
+              <a:buChar char=""/>
+            </a:pPr>
+            <a:r>
+              <a:rPr b="0" lang="en-GB" sz="2800" spc="-1" strike="noStrike">
+                <a:latin typeface="Arial"/>
+              </a:rPr>
+              <a:t>Second Outline Level</a:t>
+            </a:r>
+            <a:endParaRPr b="0" lang="en-GB" sz="2800" spc="-1" strike="noStrike">
+              <a:latin typeface="Arial"/>
+            </a:endParaRPr>
+          </a:p>
+          <a:p>
+            <a:pPr lvl="2" marL="1296000" indent="-288000">
+              <a:spcBef>
+                <a:spcPts val="850"/>
+              </a:spcBef>
+              <a:buClr>
+                <a:srgbClr val="000000"/>
+              </a:buClr>
+              <a:buSzPct val="45000"/>
+              <a:buFont typeface="Wingdings" charset="2"/>
+              <a:buChar char=""/>
+            </a:pPr>
+            <a:r>
+              <a:rPr b="0" lang="en-GB" sz="2400" spc="-1" strike="noStrike">
+                <a:latin typeface="Arial"/>
+              </a:rPr>
+              <a:t>Third Outline Level</a:t>
+            </a:r>
+            <a:endParaRPr b="0" lang="en-GB" sz="2400" spc="-1" strike="noStrike">
+              <a:latin typeface="Arial"/>
+            </a:endParaRPr>
+          </a:p>
+          <a:p>
+            <a:pPr lvl="3" marL="1728000" indent="-216000">
+              <a:spcBef>
+                <a:spcPts val="567"/>
+              </a:spcBef>
+              <a:buClr>
+                <a:srgbClr val="000000"/>
+              </a:buClr>
+              <a:buSzPct val="75000"/>
+              <a:buFont typeface="Symbol" charset="2"/>
+              <a:buChar char=""/>
+            </a:pPr>
+            <a:r>
+              <a:rPr b="0" lang="en-GB" sz="2000" spc="-1" strike="noStrike">
+                <a:latin typeface="Arial"/>
+              </a:rPr>
+              <a:t>Fourth Outline Level</a:t>
+            </a:r>
+            <a:endParaRPr b="0" lang="en-GB" sz="2000" spc="-1" strike="noStrike">
+              <a:latin typeface="Arial"/>
+            </a:endParaRPr>
+          </a:p>
+          <a:p>
+            <a:pPr lvl="4" marL="2160000" indent="-216000">
+              <a:spcBef>
+                <a:spcPts val="283"/>
+              </a:spcBef>
+              <a:buClr>
+                <a:srgbClr val="000000"/>
+              </a:buClr>
+              <a:buSzPct val="45000"/>
+              <a:buFont typeface="Wingdings" charset="2"/>
+              <a:buChar char=""/>
+            </a:pPr>
+            <a:r>
+              <a:rPr b="0" lang="en-GB" sz="2000" spc="-1" strike="noStrike">
+                <a:latin typeface="Arial"/>
+              </a:rPr>
+              <a:t>Fifth Outline Level</a:t>
+            </a:r>
+            <a:endParaRPr b="0" lang="en-GB" sz="2000" spc="-1" strike="noStrike">
+              <a:latin typeface="Arial"/>
+            </a:endParaRPr>
+          </a:p>
+          <a:p>
+            <a:pPr lvl="5" marL="2592000" indent="-216000">
+              <a:spcBef>
+                <a:spcPts val="283"/>
+              </a:spcBef>
+              <a:buClr>
+                <a:srgbClr val="000000"/>
+              </a:buClr>
+              <a:buSzPct val="45000"/>
+              <a:buFont typeface="Wingdings" charset="2"/>
+              <a:buChar char=""/>
+            </a:pPr>
+            <a:r>
+              <a:rPr b="0" lang="en-GB" sz="2000" spc="-1" strike="noStrike">
+                <a:latin typeface="Arial"/>
+              </a:rPr>
+              <a:t>Sixth Outline Level</a:t>
+            </a:r>
+            <a:endParaRPr b="0" lang="en-GB" sz="2000" spc="-1" strike="noStrike">
+              <a:latin typeface="Arial"/>
+            </a:endParaRPr>
+          </a:p>
+          <a:p>
+            <a:pPr lvl="6" marL="3024000" indent="-216000">
+              <a:spcBef>
+                <a:spcPts val="283"/>
+              </a:spcBef>
+              <a:buClr>
+                <a:srgbClr val="000000"/>
+              </a:buClr>
+              <a:buSzPct val="45000"/>
+              <a:buFont typeface="Wingdings" charset="2"/>
+              <a:buChar char=""/>
+            </a:pPr>
+            <a:r>
+              <a:rPr b="0" lang="en-GB" sz="2000" spc="-1" strike="noStrike">
+                <a:latin typeface="Arial"/>
+              </a:rPr>
+              <a:t>Seventh Outline Level</a:t>
+            </a:r>
+            <a:endParaRPr b="0" lang="en-GB" sz="2000" spc="-1" strike="noStrike">
+              <a:latin typeface="Arial"/>
             </a:endParaRPr>
           </a:p>
         </p:txBody>
@@ -26032,7 +26163,7 @@
         <p:spPr>
           <a:xfrm>
             <a:off x="1506960" y="2404440"/>
-            <a:ext cx="7765920" cy="1645200"/>
+            <a:ext cx="7766280" cy="1645560"/>
           </a:xfrm>
           <a:prstGeom prst="rect">
             <a:avLst/>
@@ -26053,9 +26184,15 @@
               </a:lnSpc>
               <a:buNone/>
             </a:pPr>
-            <a:br>
-              <a:rPr sz="5400"/>
-            </a:br>
+            <a:r>
+              <a:rPr b="0" lang="fr-FR" sz="5400" spc="-1" strike="noStrike">
+                <a:solidFill>
+                  <a:srgbClr val="5fcbef"/>
+                </a:solidFill>
+                <a:latin typeface="Trebuchet MS"/>
+              </a:rPr>
+              <a:t>Soutenance de stage</a:t>
+            </a:r>
             <a:endParaRPr b="0" lang="en-GB" sz="5400" spc="-1" strike="noStrike">
               <a:latin typeface="Arial"/>
             </a:endParaRPr>
@@ -26075,7 +26212,7 @@
         <p:spPr>
           <a:xfrm>
             <a:off x="1506960" y="4050720"/>
-            <a:ext cx="7765920" cy="1095840"/>
+            <a:ext cx="7766280" cy="1096200"/>
           </a:xfrm>
           <a:prstGeom prst="rect">
             <a:avLst/>
@@ -26091,9 +26228,30 @@
           </a:bodyPr>
           <a:p>
             <a:pPr algn="ctr">
+              <a:lnSpc>
+                <a:spcPct val="100000"/>
+              </a:lnSpc>
               <a:buNone/>
             </a:pPr>
-            <a:endParaRPr b="0" lang="en-GB" sz="3200" spc="-1" strike="noStrike">
+            <a:r>
+              <a:rPr b="0" lang="fr-FR" sz="1800" spc="-1" strike="noStrike">
+                <a:solidFill>
+                  <a:srgbClr val="808080"/>
+                </a:solidFill>
+                <a:latin typeface="Trebuchet MS"/>
+              </a:rPr>
+              <a:t> </a:t>
+            </a:r>
+            <a:r>
+              <a:rPr b="0" lang="fr-FR" sz="1800" spc="-1" strike="noStrike">
+                <a:solidFill>
+                  <a:srgbClr val="808080"/>
+                </a:solidFill>
+                <a:latin typeface="Trebuchet MS"/>
+              </a:rPr>
+              <a:t>Transposition de l’index génomique de la méthodologie Agilent/SurePrint G3 vers Affymetrix/Oncoscan CNV : comparaison d’outils bioinformatiques</a:t>
+            </a:r>
+            <a:endParaRPr b="0" lang="en-GB" sz="1800" spc="-1" strike="noStrike">
               <a:latin typeface="Arial"/>
             </a:endParaRPr>
           </a:p>
@@ -26142,7 +26300,7 @@
         <p:spPr>
           <a:xfrm>
             <a:off x="669240" y="417240"/>
-            <a:ext cx="8595720" cy="1319760"/>
+            <a:ext cx="8595000" cy="1319040"/>
           </a:xfrm>
           <a:prstGeom prst="rect">
             <a:avLst/>
@@ -26170,7 +26328,7 @@
                 </a:solidFill>
                 <a:latin typeface="Trebuchet MS"/>
               </a:rPr>
-              <a:t>OncoscanR</a:t>
+              <a:t>Altérations détectées</a:t>
             </a:r>
             <a:endParaRPr b="0" lang="en-GB" sz="3600" spc="-1" strike="noStrike">
               <a:latin typeface="Arial"/>
@@ -26190,8 +26348,8 @@
         </p:blipFill>
         <p:spPr>
           <a:xfrm>
-            <a:off x="2340000" y="1303920"/>
-            <a:ext cx="7919280" cy="4635360"/>
+            <a:off x="6212520" y="126000"/>
+            <a:ext cx="5847120" cy="6676560"/>
           </a:xfrm>
           <a:prstGeom prst="rect">
             <a:avLst/>
@@ -26244,7 +26402,7 @@
         <p:spPr>
           <a:xfrm>
             <a:off x="669240" y="417240"/>
-            <a:ext cx="8595720" cy="1319760"/>
+            <a:ext cx="8595000" cy="1319040"/>
           </a:xfrm>
           <a:prstGeom prst="rect">
             <a:avLst/>
@@ -26272,7 +26430,7 @@
                 </a:solidFill>
                 <a:latin typeface="Trebuchet MS"/>
               </a:rPr>
-              <a:t>OncoscanR</a:t>
+              <a:t>Corrélations</a:t>
             </a:r>
             <a:endParaRPr b="0" lang="en-GB" sz="3600" spc="-1" strike="noStrike">
               <a:latin typeface="Arial"/>
@@ -26292,8 +26450,8 @@
         </p:blipFill>
         <p:spPr>
           <a:xfrm>
-            <a:off x="2150640" y="1800000"/>
-            <a:ext cx="8648640" cy="4047480"/>
+            <a:off x="2340000" y="1303920"/>
+            <a:ext cx="7918560" cy="4634640"/>
           </a:xfrm>
           <a:prstGeom prst="rect">
             <a:avLst/>
@@ -26346,7 +26504,7 @@
         <p:spPr>
           <a:xfrm>
             <a:off x="669240" y="417240"/>
-            <a:ext cx="8595720" cy="1319760"/>
+            <a:ext cx="8595000" cy="1319040"/>
           </a:xfrm>
           <a:prstGeom prst="rect">
             <a:avLst/>
@@ -26374,7 +26532,7 @@
                 </a:solidFill>
                 <a:latin typeface="Trebuchet MS"/>
               </a:rPr>
-              <a:t>OncoscanR</a:t>
+              <a:t>Distribution des valeurs</a:t>
             </a:r>
             <a:endParaRPr b="0" lang="en-GB" sz="3600" spc="-1" strike="noStrike">
               <a:latin typeface="Arial"/>
@@ -26394,8 +26552,8 @@
         </p:blipFill>
         <p:spPr>
           <a:xfrm>
-            <a:off x="3079440" y="126000"/>
-            <a:ext cx="5847840" cy="6677280"/>
+            <a:off x="2150640" y="1800000"/>
+            <a:ext cx="8647920" cy="4046760"/>
           </a:xfrm>
           <a:prstGeom prst="rect">
             <a:avLst/>
@@ -26447,8 +26605,8 @@
         </p:nvSpPr>
         <p:spPr>
           <a:xfrm>
-            <a:off x="677160" y="609480"/>
-            <a:ext cx="8595720" cy="1319760"/>
+            <a:off x="669240" y="417240"/>
+            <a:ext cx="8595000" cy="1319040"/>
           </a:xfrm>
           <a:prstGeom prst="rect">
             <a:avLst/>
@@ -26476,7 +26634,7 @@
                 </a:solidFill>
                 <a:latin typeface="Trebuchet MS"/>
               </a:rPr>
-              <a:t>Conclusion</a:t>
+              <a:t>Courbes ROC</a:t>
             </a:r>
             <a:endParaRPr b="0" lang="en-GB" sz="3600" spc="-1" strike="noStrike">
               <a:latin typeface="Arial"/>
@@ -26484,79 +26642,98 @@
           </a:p>
         </p:txBody>
       </p:sp>
-      <p:sp>
-        <p:nvSpPr>
-          <p:cNvPr id="456" name="PlaceHolder 2"/>
-          <p:cNvSpPr>
-            <a:spLocks noGrp="1"/>
-          </p:cNvSpPr>
-          <p:nvPr>
-            <p:ph type="subTitle"/>
-          </p:nvPr>
-        </p:nvSpPr>
-        <p:spPr>
-          <a:xfrm>
-            <a:off x="609480" y="1604520"/>
-            <a:ext cx="10971720" cy="3976560"/>
-          </a:xfrm>
-          <a:prstGeom prst="rect">
-            <a:avLst/>
-          </a:prstGeom>
-          <a:noFill/>
-          <a:ln w="0">
-            <a:noFill/>
-          </a:ln>
-        </p:spPr>
-        <p:txBody>
-          <a:bodyPr lIns="0" rIns="0" tIns="0" bIns="0" anchor="ctr">
-            <a:noAutofit/>
-          </a:bodyPr>
-          <a:p>
-            <a:pPr marL="216000" indent="-216000">
-              <a:lnSpc>
-                <a:spcPct val="100000"/>
-              </a:lnSpc>
-              <a:buClr>
-                <a:srgbClr val="000000"/>
-              </a:buClr>
-              <a:buSzPct val="45000"/>
-              <a:buFont typeface="Wingdings" charset="2"/>
-              <a:buChar char=""/>
-            </a:pPr>
-            <a:r>
-              <a:rPr b="0" lang="en-GB" sz="3200" spc="-1" strike="noStrike">
-                <a:latin typeface="Arial"/>
-              </a:rPr>
-              <a:t>RCGH, CGHcall et ASCAT présentent un intérêt</a:t>
-            </a:r>
-            <a:endParaRPr b="0" lang="en-GB" sz="3200" spc="-1" strike="noStrike">
-              <a:latin typeface="Arial"/>
-            </a:endParaRPr>
-          </a:p>
-          <a:p>
-            <a:pPr marL="216000" indent="-216000">
-              <a:lnSpc>
-                <a:spcPct val="100000"/>
-              </a:lnSpc>
-              <a:buClr>
-                <a:srgbClr val="000000"/>
-              </a:buClr>
-              <a:buSzPct val="45000"/>
-              <a:buFont typeface="Wingdings" charset="2"/>
-              <a:buChar char=""/>
-            </a:pPr>
-            <a:r>
-              <a:rPr b="0" lang="en-GB" sz="3200" spc="-1" strike="noStrike">
-                <a:latin typeface="Arial"/>
-              </a:rPr>
-              <a:t> </a:t>
-            </a:r>
-            <a:endParaRPr b="0" lang="en-GB" sz="3200" spc="-1" strike="noStrike">
-              <a:latin typeface="Arial"/>
-            </a:endParaRPr>
-          </a:p>
-        </p:txBody>
-      </p:sp>
+      <p:pic>
+        <p:nvPicPr>
+          <p:cNvPr id="456" name="" descr=""/>
+          <p:cNvPicPr/>
+          <p:nvPr/>
+        </p:nvPicPr>
+        <p:blipFill>
+          <a:blip r:embed="rId1"/>
+          <a:stretch/>
+        </p:blipFill>
+        <p:spPr>
+          <a:xfrm>
+            <a:off x="4688280" y="35280"/>
+            <a:ext cx="3239640" cy="3239640"/>
+          </a:xfrm>
+          <a:prstGeom prst="rect">
+            <a:avLst/>
+          </a:prstGeom>
+          <a:ln w="0">
+            <a:noFill/>
+          </a:ln>
+        </p:spPr>
+      </p:pic>
+      <p:pic>
+        <p:nvPicPr>
+          <p:cNvPr id="457" name="" descr=""/>
+          <p:cNvPicPr/>
+          <p:nvPr/>
+        </p:nvPicPr>
+        <p:blipFill>
+          <a:blip r:embed="rId2"/>
+          <a:stretch/>
+        </p:blipFill>
+        <p:spPr>
+          <a:xfrm>
+            <a:off x="8100000" y="55080"/>
+            <a:ext cx="3239640" cy="3239640"/>
+          </a:xfrm>
+          <a:prstGeom prst="rect">
+            <a:avLst/>
+          </a:prstGeom>
+          <a:ln w="0">
+            <a:noFill/>
+          </a:ln>
+        </p:spPr>
+      </p:pic>
+      <p:pic>
+        <p:nvPicPr>
+          <p:cNvPr id="458" name="" descr=""/>
+          <p:cNvPicPr/>
+          <p:nvPr/>
+        </p:nvPicPr>
+        <p:blipFill>
+          <a:blip r:embed="rId3"/>
+          <a:stretch/>
+        </p:blipFill>
+        <p:spPr>
+          <a:xfrm>
+            <a:off x="4680000" y="3420000"/>
+            <a:ext cx="3239640" cy="3239640"/>
+          </a:xfrm>
+          <a:prstGeom prst="rect">
+            <a:avLst/>
+          </a:prstGeom>
+          <a:ln w="0">
+            <a:noFill/>
+          </a:ln>
+        </p:spPr>
+      </p:pic>
+      <p:pic>
+        <p:nvPicPr>
+          <p:cNvPr id="459" name="" descr=""/>
+          <p:cNvPicPr/>
+          <p:nvPr/>
+        </p:nvPicPr>
+        <p:blipFill>
+          <a:blip r:embed="rId4"/>
+          <a:stretch/>
+        </p:blipFill>
+        <p:spPr>
+          <a:xfrm>
+            <a:off x="8100000" y="3420000"/>
+            <a:ext cx="3239640" cy="3239640"/>
+          </a:xfrm>
+          <a:prstGeom prst="rect">
+            <a:avLst/>
+          </a:prstGeom>
+          <a:ln w="0">
+            <a:noFill/>
+          </a:ln>
+        </p:spPr>
+      </p:pic>
     </p:spTree>
   </p:cSld>
   <mc:AlternateContent>
@@ -26589,7 +26766,7 @@
       </p:grpSpPr>
       <p:sp>
         <p:nvSpPr>
-          <p:cNvPr id="457" name="PlaceHolder 1"/>
+          <p:cNvPr id="460" name="PlaceHolder 1"/>
           <p:cNvSpPr>
             <a:spLocks noGrp="1"/>
           </p:cNvSpPr>
@@ -26599,8 +26776,8 @@
         </p:nvSpPr>
         <p:spPr>
           <a:xfrm>
-            <a:off x="669240" y="417240"/>
-            <a:ext cx="8595720" cy="1319760"/>
+            <a:off x="677160" y="609480"/>
+            <a:ext cx="8595000" cy="1319040"/>
           </a:xfrm>
           <a:prstGeom prst="rect">
             <a:avLst/>
@@ -26628,7 +26805,7 @@
                 </a:solidFill>
                 <a:latin typeface="Trebuchet MS"/>
               </a:rPr>
-              <a:t>Interaction Bioinformatique - Biologie</a:t>
+              <a:t>Conclusion</a:t>
             </a:r>
             <a:endParaRPr b="0" lang="en-GB" sz="3600" spc="-1" strike="noStrike">
               <a:latin typeface="Arial"/>
@@ -26638,29 +26815,27 @@
       </p:sp>
       <p:sp>
         <p:nvSpPr>
-          <p:cNvPr id="458" name="PlaceHolder 4"/>
-          <p:cNvSpPr/>
-          <p:nvPr/>
-        </p:nvSpPr>
-        <p:spPr>
-          <a:xfrm>
-            <a:off x="609480" y="1604880"/>
-            <a:ext cx="10971720" cy="3976560"/>
-          </a:xfrm>
-          <a:prstGeom prst="rect">
-            <a:avLst/>
-          </a:prstGeom>
-          <a:noFill/>
-          <a:ln w="0">
-            <a:noFill/>
-          </a:ln>
-        </p:spPr>
-        <p:style>
-          <a:lnRef idx="0"/>
-          <a:fillRef idx="0"/>
-          <a:effectRef idx="0"/>
-          <a:fontRef idx="minor"/>
-        </p:style>
+          <p:cNvPr id="461" name="PlaceHolder 2"/>
+          <p:cNvSpPr>
+            <a:spLocks noGrp="1"/>
+          </p:cNvSpPr>
+          <p:nvPr>
+            <p:ph type="subTitle"/>
+          </p:nvPr>
+        </p:nvSpPr>
+        <p:spPr>
+          <a:xfrm>
+            <a:off x="609480" y="1604520"/>
+            <a:ext cx="10971000" cy="3975840"/>
+          </a:xfrm>
+          <a:prstGeom prst="rect">
+            <a:avLst/>
+          </a:prstGeom>
+          <a:noFill/>
+          <a:ln w="0">
+            <a:noFill/>
+          </a:ln>
+        </p:spPr>
         <p:txBody>
           <a:bodyPr lIns="0" rIns="0" tIns="0" bIns="0" anchor="ctr">
             <a:noAutofit/>
@@ -26681,7 +26856,29 @@
               <a:rPr b="0" lang="en-GB" sz="3200" spc="-1" strike="noStrike">
                 <a:latin typeface="Arial"/>
               </a:rPr>
-              <a:t>RCGH, CGHcall et ASCAT présentent un intérêt</a:t>
+              <a:t>Le nombre d’échantillons utilisés ne permet pas de choisir un outil pour répondre à la problématique.</a:t>
+            </a:r>
+            <a:endParaRPr b="0" lang="en-GB" sz="3200" spc="-1" strike="noStrike">
+              <a:latin typeface="Arial"/>
+            </a:endParaRPr>
+          </a:p>
+          <a:p>
+            <a:pPr marL="216000" indent="-216000">
+              <a:lnSpc>
+                <a:spcPct val="100000"/>
+              </a:lnSpc>
+              <a:buClr>
+                <a:srgbClr val="000000"/>
+              </a:buClr>
+              <a:buSzPct val="45000"/>
+              <a:buFont typeface="Wingdings" charset="2"/>
+              <a:buChar char=""/>
+            </a:pPr>
+            <a:r>
+              <a:rPr b="0" lang="en-GB" sz="3200" spc="-1" strike="noStrike">
+                <a:latin typeface="Arial"/>
+              </a:rPr>
+              <a:t>CGHcall, rCGH et ASCAT présentent un intérêt mais pas OncoscanR.</a:t>
             </a:r>
             <a:endParaRPr b="0" lang="en-GB" sz="3200" spc="-1" strike="noStrike">
               <a:latin typeface="Arial"/>
@@ -26704,6 +26901,12 @@
                 <a:latin typeface="Arial"/>
               </a:rPr>
               <a:t> </a:t>
+            </a:r>
+            <a:r>
+              <a:rPr b="0" lang="en-GB" sz="3200" spc="-1" strike="noStrike">
+                <a:latin typeface="Arial"/>
+              </a:rPr>
+              <a:t>Augmenter le nombre d’échantillons dans des travaux futurs permettrait de mieux choisir l’outil le plus adapté.</a:t>
             </a:r>
             <a:endParaRPr b="0" lang="en-GB" sz="3200" spc="-1" strike="noStrike">
               <a:latin typeface="Arial"/>
@@ -26743,7 +26946,7 @@
       </p:grpSpPr>
       <p:sp>
         <p:nvSpPr>
-          <p:cNvPr id="459" name="PlaceHolder 1"/>
+          <p:cNvPr id="462" name="PlaceHolder 1"/>
           <p:cNvSpPr>
             <a:spLocks noGrp="1"/>
           </p:cNvSpPr>
@@ -26754,7 +26957,7 @@
         <p:spPr>
           <a:xfrm>
             <a:off x="669240" y="417240"/>
-            <a:ext cx="8595720" cy="1319760"/>
+            <a:ext cx="8595000" cy="1319040"/>
           </a:xfrm>
           <a:prstGeom prst="rect">
             <a:avLst/>
@@ -26782,9 +26985,170 @@
                 </a:solidFill>
                 <a:latin typeface="Trebuchet MS"/>
               </a:rPr>
-              <a:t>OncoscanR</a:t>
+              <a:t>Interaction Bioinformatique - Biologie</a:t>
             </a:r>
             <a:endParaRPr b="0" lang="en-GB" sz="3600" spc="-1" strike="noStrike">
+              <a:latin typeface="Arial"/>
+            </a:endParaRPr>
+          </a:p>
+        </p:txBody>
+      </p:sp>
+      <p:sp>
+        <p:nvSpPr>
+          <p:cNvPr id="463" name="PlaceHolder 4"/>
+          <p:cNvSpPr/>
+          <p:nvPr/>
+        </p:nvSpPr>
+        <p:spPr>
+          <a:xfrm>
+            <a:off x="609480" y="1604880"/>
+            <a:ext cx="10971000" cy="3975840"/>
+          </a:xfrm>
+          <a:prstGeom prst="rect">
+            <a:avLst/>
+          </a:prstGeom>
+          <a:noFill/>
+          <a:ln w="0">
+            <a:noFill/>
+          </a:ln>
+        </p:spPr>
+        <p:style>
+          <a:lnRef idx="0"/>
+          <a:fillRef idx="0"/>
+          <a:effectRef idx="0"/>
+          <a:fontRef idx="minor"/>
+        </p:style>
+        <p:txBody>
+          <a:bodyPr lIns="0" rIns="0" tIns="0" bIns="0" anchor="ctr">
+            <a:noAutofit/>
+          </a:bodyPr>
+          <a:p>
+            <a:pPr marL="216000" indent="-216000">
+              <a:lnSpc>
+                <a:spcPct val="100000"/>
+              </a:lnSpc>
+              <a:buClr>
+                <a:srgbClr val="000000"/>
+              </a:buClr>
+              <a:buSzPct val="45000"/>
+              <a:buFont typeface="Wingdings" charset="2"/>
+              <a:buChar char=""/>
+            </a:pPr>
+            <a:r>
+              <a:rPr b="0" lang="en-GB" sz="3200" spc="-1" strike="noStrike">
+                <a:solidFill>
+                  <a:srgbClr val="000000"/>
+                </a:solidFill>
+                <a:latin typeface="Arial"/>
+                <a:ea typeface="DejaVu Sans"/>
+              </a:rPr>
+              <a:t>Intégration dans l’unité de pathologie moléculaire</a:t>
+            </a:r>
+            <a:endParaRPr b="0" lang="en-GB" sz="3200" spc="-1" strike="noStrike">
+              <a:latin typeface="Arial"/>
+            </a:endParaRPr>
+          </a:p>
+          <a:p>
+            <a:pPr marL="216000" indent="-216000">
+              <a:lnSpc>
+                <a:spcPct val="100000"/>
+              </a:lnSpc>
+              <a:buClr>
+                <a:srgbClr val="000000"/>
+              </a:buClr>
+              <a:buSzPct val="45000"/>
+              <a:buFont typeface="Wingdings" charset="2"/>
+              <a:buChar char=""/>
+            </a:pPr>
+            <a:r>
+              <a:rPr b="0" lang="en-GB" sz="3200" spc="-1" strike="noStrike">
+                <a:solidFill>
+                  <a:srgbClr val="000000"/>
+                </a:solidFill>
+                <a:latin typeface="Arial"/>
+                <a:ea typeface="DejaVu Sans"/>
+              </a:rPr>
+              <a:t>Suivi des échantillons de leur réception à l’analyse</a:t>
+            </a:r>
+            <a:endParaRPr b="0" lang="en-GB" sz="3200" spc="-1" strike="noStrike">
+              <a:latin typeface="Arial"/>
+            </a:endParaRPr>
+          </a:p>
+          <a:p>
+            <a:pPr marL="216000" indent="-216000">
+              <a:lnSpc>
+                <a:spcPct val="100000"/>
+              </a:lnSpc>
+              <a:buClr>
+                <a:srgbClr val="000000"/>
+              </a:buClr>
+              <a:buSzPct val="45000"/>
+              <a:buFont typeface="Wingdings" charset="2"/>
+              <a:buChar char=""/>
+            </a:pPr>
+            <a:r>
+              <a:rPr b="0" lang="en-GB" sz="3200" spc="-1" strike="noStrike">
+                <a:solidFill>
+                  <a:srgbClr val="000000"/>
+                </a:solidFill>
+                <a:latin typeface="Arial"/>
+                <a:ea typeface="DejaVu Sans"/>
+              </a:rPr>
+              <a:t>Compréhension des préoccupations  des biologistes</a:t>
+            </a:r>
+            <a:endParaRPr b="0" lang="en-GB" sz="3200" spc="-1" strike="noStrike">
+              <a:latin typeface="Arial"/>
+            </a:endParaRPr>
+          </a:p>
+          <a:p>
+            <a:pPr marL="216000" indent="-216000">
+              <a:lnSpc>
+                <a:spcPct val="100000"/>
+              </a:lnSpc>
+              <a:buClr>
+                <a:srgbClr val="000000"/>
+              </a:buClr>
+              <a:buSzPct val="45000"/>
+              <a:buFont typeface="Wingdings" charset="2"/>
+              <a:buChar char=""/>
+            </a:pPr>
+            <a:r>
+              <a:rPr b="0" lang="en-GB" sz="3200" spc="-1" strike="noStrike">
+                <a:solidFill>
+                  <a:srgbClr val="000000"/>
+                </a:solidFill>
+                <a:latin typeface="Arial"/>
+                <a:ea typeface="DejaVu Sans"/>
+              </a:rPr>
+              <a:t>Vulgarisation des outils étudiés</a:t>
+            </a:r>
+            <a:endParaRPr b="0" lang="en-GB" sz="3200" spc="-1" strike="noStrike">
+              <a:latin typeface="Arial"/>
+            </a:endParaRPr>
+          </a:p>
+          <a:p>
+            <a:pPr marL="216000" indent="-216000">
+              <a:lnSpc>
+                <a:spcPct val="100000"/>
+              </a:lnSpc>
+              <a:buClr>
+                <a:srgbClr val="000000"/>
+              </a:buClr>
+              <a:buSzPct val="45000"/>
+              <a:buFont typeface="Wingdings" charset="2"/>
+              <a:buChar char=""/>
+            </a:pPr>
+            <a:r>
+              <a:rPr b="0" lang="en-GB" sz="3200" spc="-1" strike="noStrike">
+                <a:solidFill>
+                  <a:srgbClr val="000000"/>
+                </a:solidFill>
+                <a:latin typeface="Arial"/>
+                <a:ea typeface="DejaVu Sans"/>
+              </a:rPr>
+              <a:t>Participation à la formation dispensée par Affymetrix</a:t>
+            </a:r>
+            <a:endParaRPr b="0" lang="en-GB" sz="3200" spc="-1" strike="noStrike">
               <a:latin typeface="Arial"/>
             </a:endParaRPr>
           </a:p>
@@ -26833,7 +27197,7 @@
         <p:spPr>
           <a:xfrm>
             <a:off x="669240" y="417240"/>
-            <a:ext cx="8595720" cy="1319760"/>
+            <a:ext cx="8595000" cy="1319040"/>
           </a:xfrm>
           <a:prstGeom prst="rect">
             <a:avLst/>
@@ -26861,7 +27225,7 @@
                 </a:solidFill>
                 <a:latin typeface="Trebuchet MS"/>
               </a:rPr>
-              <a:t>Pipeline</a:t>
+              <a:t>Introduction</a:t>
             </a:r>
             <a:br>
               <a:rPr sz="3600"/>
@@ -26885,7 +27249,7 @@
         <p:spPr>
           <a:xfrm>
             <a:off x="948240" y="1107000"/>
-            <a:ext cx="10931040" cy="5372280"/>
+            <a:ext cx="10930320" cy="5371560"/>
           </a:xfrm>
           <a:prstGeom prst="rect">
             <a:avLst/>
@@ -26938,7 +27302,7 @@
         <p:spPr>
           <a:xfrm>
             <a:off x="2880000" y="714960"/>
-            <a:ext cx="8545320" cy="5764320"/>
+            <a:ext cx="8544600" cy="5763600"/>
           </a:xfrm>
           <a:prstGeom prst="rect">
             <a:avLst/>
@@ -26961,7 +27325,7 @@
         <p:spPr>
           <a:xfrm>
             <a:off x="669600" y="417240"/>
-            <a:ext cx="8595720" cy="1319760"/>
+            <a:ext cx="8595000" cy="1319040"/>
           </a:xfrm>
           <a:prstGeom prst="rect">
             <a:avLst/>
@@ -26989,7 +27353,13 @@
                 </a:solidFill>
                 <a:latin typeface="Trebuchet MS"/>
               </a:rPr>
-              <a:t>Pipeline</a:t>
+              <a:t>Introduction</a:t>
+            </a:r>
+            <a:r>
+              <a:rPr b="0" lang="en-GB" sz="3600" spc="-1" strike="noStrike">
+                <a:latin typeface="Arial"/>
+              </a:rPr>
+              <a:t> </a:t>
             </a:r>
             <a:br>
               <a:rPr sz="3600"/>
@@ -27043,7 +27413,7 @@
         <p:spPr>
           <a:xfrm>
             <a:off x="669240" y="417240"/>
-            <a:ext cx="8595720" cy="1319760"/>
+            <a:ext cx="8595000" cy="1319040"/>
           </a:xfrm>
           <a:prstGeom prst="rect">
             <a:avLst/>
@@ -27071,7 +27441,13 @@
                 </a:solidFill>
                 <a:latin typeface="Trebuchet MS"/>
               </a:rPr>
-              <a:t>Pipeline</a:t>
+              <a:t>Introduction</a:t>
+            </a:r>
+            <a:r>
+              <a:rPr b="0" lang="en-GB" sz="3600" spc="-1" strike="noStrike">
+                <a:latin typeface="Arial"/>
+              </a:rPr>
+              <a:t> </a:t>
             </a:r>
             <a:br>
               <a:rPr sz="3600"/>
@@ -27095,7 +27471,7 @@
         <p:spPr>
           <a:xfrm>
             <a:off x="3060000" y="180000"/>
-            <a:ext cx="8889840" cy="6659280"/>
+            <a:ext cx="8889120" cy="6658560"/>
           </a:xfrm>
           <a:prstGeom prst="rect">
             <a:avLst/>
@@ -27148,7 +27524,7 @@
         <p:spPr>
           <a:xfrm>
             <a:off x="669240" y="417240"/>
-            <a:ext cx="8595720" cy="1319760"/>
+            <a:ext cx="8595000" cy="1319040"/>
           </a:xfrm>
           <a:prstGeom prst="rect">
             <a:avLst/>
@@ -27176,7 +27552,7 @@
                 </a:solidFill>
                 <a:latin typeface="Trebuchet MS"/>
               </a:rPr>
-              <a:t>Pipeline</a:t>
+              <a:t>Pipeline type: segmentation</a:t>
             </a:r>
             <a:br>
               <a:rPr sz="3600"/>
@@ -27196,7 +27572,7 @@
         <p:spPr>
           <a:xfrm>
             <a:off x="5662800" y="3799800"/>
-            <a:ext cx="640440" cy="360"/>
+            <a:ext cx="639720" cy="360"/>
           </a:xfrm>
           <a:custGeom>
             <a:avLst/>
@@ -27243,7 +27619,7 @@
         <p:spPr>
           <a:xfrm>
             <a:off x="846360" y="1734840"/>
-            <a:ext cx="4678920" cy="4678920"/>
+            <a:ext cx="4678200" cy="4678200"/>
           </a:xfrm>
           <a:prstGeom prst="rect">
             <a:avLst/>
@@ -27266,7 +27642,7 @@
         <p:spPr>
           <a:xfrm>
             <a:off x="6446160" y="1734840"/>
-            <a:ext cx="4678920" cy="4678920"/>
+            <a:ext cx="4678200" cy="4678200"/>
           </a:xfrm>
           <a:prstGeom prst="rect">
             <a:avLst/>
@@ -27319,7 +27695,7 @@
         <p:spPr>
           <a:xfrm>
             <a:off x="669240" y="417240"/>
-            <a:ext cx="8595720" cy="1319760"/>
+            <a:ext cx="8595000" cy="1319040"/>
           </a:xfrm>
           <a:prstGeom prst="rect">
             <a:avLst/>
@@ -27347,7 +27723,7 @@
                 </a:solidFill>
                 <a:latin typeface="Trebuchet MS"/>
               </a:rPr>
-              <a:t>Pipeline</a:t>
+              <a:t>Pipeline type :Calling ou estimation du nombre de copies</a:t>
             </a:r>
             <a:br>
               <a:rPr sz="3600"/>
@@ -27370,8 +27746,8 @@
         </p:blipFill>
         <p:spPr>
           <a:xfrm>
-            <a:off x="6840000" y="1440000"/>
-            <a:ext cx="4679280" cy="4679280"/>
+            <a:off x="6840000" y="1621080"/>
+            <a:ext cx="4678560" cy="4678560"/>
           </a:xfrm>
           <a:prstGeom prst="rect">
             <a:avLst/>
@@ -27393,8 +27769,8 @@
         </p:blipFill>
         <p:spPr>
           <a:xfrm>
-            <a:off x="540000" y="1440000"/>
-            <a:ext cx="4679280" cy="4679280"/>
+            <a:off x="540000" y="1621080"/>
+            <a:ext cx="4678560" cy="4678560"/>
           </a:xfrm>
           <a:prstGeom prst="rect">
             <a:avLst/>
@@ -27412,7 +27788,7 @@
         </p:nvSpPr>
         <p:spPr>
           <a:xfrm>
-            <a:off x="5400000" y="3780000"/>
+            <a:off x="5400000" y="3961080"/>
             <a:ext cx="1080000" cy="360"/>
           </a:xfrm>
           <a:prstGeom prst="line">
@@ -27475,7 +27851,7 @@
         <p:spPr>
           <a:xfrm>
             <a:off x="669240" y="417240"/>
-            <a:ext cx="8595720" cy="1319760"/>
+            <a:ext cx="8595000" cy="1319040"/>
           </a:xfrm>
           <a:prstGeom prst="rect">
             <a:avLst/>
@@ -27527,7 +27903,7 @@
         <p:spPr>
           <a:xfrm>
             <a:off x="2702160" y="1204560"/>
-            <a:ext cx="8457120" cy="5094720"/>
+            <a:ext cx="8456400" cy="5094000"/>
           </a:xfrm>
           <a:prstGeom prst="rect">
             <a:avLst/>
@@ -27580,7 +27956,7 @@
         <p:spPr>
           <a:xfrm>
             <a:off x="669240" y="417240"/>
-            <a:ext cx="8595720" cy="1319760"/>
+            <a:ext cx="8595000" cy="1319040"/>
           </a:xfrm>
           <a:prstGeom prst="rect">
             <a:avLst/>
@@ -27629,7 +28005,7 @@
         <p:spPr>
           <a:xfrm>
             <a:off x="588240" y="2340000"/>
-            <a:ext cx="11471040" cy="3187440"/>
+            <a:ext cx="11470320" cy="3186720"/>
           </a:xfrm>
           <a:prstGeom prst="rect">
             <a:avLst/>
@@ -27682,7 +28058,7 @@
         <p:spPr>
           <a:xfrm>
             <a:off x="669240" y="417240"/>
-            <a:ext cx="8595720" cy="1319760"/>
+            <a:ext cx="8595000" cy="1319040"/>
           </a:xfrm>
           <a:prstGeom prst="rect">
             <a:avLst/>
@@ -27731,7 +28107,7 @@
         <p:spPr>
           <a:xfrm>
             <a:off x="852480" y="1620000"/>
-            <a:ext cx="10666800" cy="4704120"/>
+            <a:ext cx="10666080" cy="4703400"/>
           </a:xfrm>
           <a:prstGeom prst="rect">
             <a:avLst/>
